--- a/images/theory_analysis/Linux_LSM/Linux_LSM.pptx
+++ b/images/theory_analysis/Linux_LSM/Linux_LSM.pptx
@@ -5,11 +5,12 @@
     <p:sldMasterId id="2147483648" r:id="rId1"/>
   </p:sldMasterIdLst>
   <p:notesMasterIdLst>
-    <p:notesMasterId r:id="rId4"/>
+    <p:notesMasterId r:id="rId5"/>
   </p:notesMasterIdLst>
   <p:sldIdLst>
-    <p:sldId id="386" r:id="rId2"/>
-    <p:sldId id="389" r:id="rId3"/>
+    <p:sldId id="390" r:id="rId2"/>
+    <p:sldId id="386" r:id="rId3"/>
+    <p:sldId id="389" r:id="rId4"/>
   </p:sldIdLst>
   <p:sldSz cx="9144000" cy="5143500" type="screen16x9"/>
   <p:notesSz cx="6858000" cy="9144000"/>
@@ -110,13 +111,18 @@
   </p:defaultTextStyle>
   <p:extLst>
     <p:ext uri="{EFAFB233-063F-42B5-8137-9DF3F51BA10A}">
-      <p15:sldGuideLst xmlns="" xmlns:p15="http://schemas.microsoft.com/office/powerpoint/2012/main">
+      <p15:sldGuideLst xmlns:p15="http://schemas.microsoft.com/office/powerpoint/2012/main">
         <p15:guide id="1" orient="horz" pos="2160">
           <p15:clr>
             <a:srgbClr val="A4A3A4"/>
           </p15:clr>
         </p15:guide>
         <p15:guide id="2" pos="2880">
+          <p15:clr>
+            <a:srgbClr val="A4A3A4"/>
+          </p15:clr>
+        </p15:guide>
+        <p15:guide id="3" orient="horz" pos="1620">
           <p15:clr>
             <a:srgbClr val="A4A3A4"/>
           </p15:clr>
@@ -1680,6 +1686,14 @@
         </dgm:presLayoutVars>
       </dgm:prSet>
       <dgm:spPr/>
+      <dgm:t>
+        <a:bodyPr/>
+        <a:lstStyle/>
+        <a:p>
+          <a:pPr latinLnBrk="1"/>
+          <a:endParaRPr lang="ko-KR" altLang="en-US"/>
+        </a:p>
+      </dgm:t>
     </dgm:pt>
     <dgm:pt modelId="{76934496-5516-4435-BC2E-8972A6FD002B}" type="pres">
       <dgm:prSet presAssocID="{85DAF3BF-E862-410E-B0B5-5B19A1FB5F00}" presName="root1" presStyleCnt="0"/>
@@ -1708,10 +1722,26 @@
     <dgm:pt modelId="{79AFDE72-A684-49B7-84AF-B09F5CA7DB22}" type="pres">
       <dgm:prSet presAssocID="{ABBAEF72-1379-4E85-8EE0-52108355C538}" presName="conn2-1" presStyleLbl="parChTrans1D2" presStyleIdx="0" presStyleCnt="6"/>
       <dgm:spPr/>
+      <dgm:t>
+        <a:bodyPr/>
+        <a:lstStyle/>
+        <a:p>
+          <a:pPr latinLnBrk="1"/>
+          <a:endParaRPr lang="ko-KR" altLang="en-US"/>
+        </a:p>
+      </dgm:t>
     </dgm:pt>
     <dgm:pt modelId="{EEE893F3-EC38-4F88-AD34-BCE279D8A655}" type="pres">
       <dgm:prSet presAssocID="{ABBAEF72-1379-4E85-8EE0-52108355C538}" presName="connTx" presStyleLbl="parChTrans1D2" presStyleIdx="0" presStyleCnt="6"/>
       <dgm:spPr/>
+      <dgm:t>
+        <a:bodyPr/>
+        <a:lstStyle/>
+        <a:p>
+          <a:pPr latinLnBrk="1"/>
+          <a:endParaRPr lang="ko-KR" altLang="en-US"/>
+        </a:p>
+      </dgm:t>
     </dgm:pt>
     <dgm:pt modelId="{3E127FCE-FD4C-405B-8CC4-10919E6C3642}" type="pres">
       <dgm:prSet presAssocID="{9C5A7DC4-E473-4FC2-B811-E6682C38217F}" presName="root2" presStyleCnt="0"/>
@@ -1740,10 +1770,26 @@
     <dgm:pt modelId="{3E0ADFEB-1595-4BBA-B06E-12DA0DD2D73B}" type="pres">
       <dgm:prSet presAssocID="{A3DF9C42-07A4-4225-AF0E-61037EB7FEE9}" presName="conn2-1" presStyleLbl="parChTrans1D3" presStyleIdx="0" presStyleCnt="6"/>
       <dgm:spPr/>
+      <dgm:t>
+        <a:bodyPr/>
+        <a:lstStyle/>
+        <a:p>
+          <a:pPr latinLnBrk="1"/>
+          <a:endParaRPr lang="ko-KR" altLang="en-US"/>
+        </a:p>
+      </dgm:t>
     </dgm:pt>
     <dgm:pt modelId="{BD67095A-D0A8-47BB-B38E-5D764DAED74F}" type="pres">
       <dgm:prSet presAssocID="{A3DF9C42-07A4-4225-AF0E-61037EB7FEE9}" presName="connTx" presStyleLbl="parChTrans1D3" presStyleIdx="0" presStyleCnt="6"/>
       <dgm:spPr/>
+      <dgm:t>
+        <a:bodyPr/>
+        <a:lstStyle/>
+        <a:p>
+          <a:pPr latinLnBrk="1"/>
+          <a:endParaRPr lang="ko-KR" altLang="en-US"/>
+        </a:p>
+      </dgm:t>
     </dgm:pt>
     <dgm:pt modelId="{66216BD0-5E47-4C5D-98A8-E0C7400F40E3}" type="pres">
       <dgm:prSet presAssocID="{285F58D3-5434-486E-B3EA-97573B9BBADA}" presName="root2" presStyleCnt="0"/>
@@ -1772,10 +1818,26 @@
     <dgm:pt modelId="{CE60EB9C-BF2D-4F80-B4F2-D150C921583A}" type="pres">
       <dgm:prSet presAssocID="{A139D5A8-C2C4-4F7E-87D3-562F86AB453C}" presName="conn2-1" presStyleLbl="parChTrans1D4" presStyleIdx="0" presStyleCnt="5"/>
       <dgm:spPr/>
+      <dgm:t>
+        <a:bodyPr/>
+        <a:lstStyle/>
+        <a:p>
+          <a:pPr latinLnBrk="1"/>
+          <a:endParaRPr lang="ko-KR" altLang="en-US"/>
+        </a:p>
+      </dgm:t>
     </dgm:pt>
     <dgm:pt modelId="{93CE2AD5-F225-4A15-89F1-54BE500E65AE}" type="pres">
       <dgm:prSet presAssocID="{A139D5A8-C2C4-4F7E-87D3-562F86AB453C}" presName="connTx" presStyleLbl="parChTrans1D4" presStyleIdx="0" presStyleCnt="5"/>
       <dgm:spPr/>
+      <dgm:t>
+        <a:bodyPr/>
+        <a:lstStyle/>
+        <a:p>
+          <a:pPr latinLnBrk="1"/>
+          <a:endParaRPr lang="ko-KR" altLang="en-US"/>
+        </a:p>
+      </dgm:t>
     </dgm:pt>
     <dgm:pt modelId="{6B640868-848C-4F1B-BCBD-DA20FBDAFDBA}" type="pres">
       <dgm:prSet presAssocID="{FDD0CC1B-9115-4C75-A35C-3A4E241F59BA}" presName="root2" presStyleCnt="0"/>
@@ -1804,10 +1866,26 @@
     <dgm:pt modelId="{46BBED5F-F917-4E7A-9F99-7B9F1BD1973E}" type="pres">
       <dgm:prSet presAssocID="{DA1D7123-9E5B-42F9-B690-99039013ABBE}" presName="conn2-1" presStyleLbl="parChTrans1D2" presStyleIdx="1" presStyleCnt="6"/>
       <dgm:spPr/>
+      <dgm:t>
+        <a:bodyPr/>
+        <a:lstStyle/>
+        <a:p>
+          <a:pPr latinLnBrk="1"/>
+          <a:endParaRPr lang="ko-KR" altLang="en-US"/>
+        </a:p>
+      </dgm:t>
     </dgm:pt>
     <dgm:pt modelId="{E6C29CE8-9CD3-4B83-A239-1A27FF9F9668}" type="pres">
       <dgm:prSet presAssocID="{DA1D7123-9E5B-42F9-B690-99039013ABBE}" presName="connTx" presStyleLbl="parChTrans1D2" presStyleIdx="1" presStyleCnt="6"/>
       <dgm:spPr/>
+      <dgm:t>
+        <a:bodyPr/>
+        <a:lstStyle/>
+        <a:p>
+          <a:pPr latinLnBrk="1"/>
+          <a:endParaRPr lang="ko-KR" altLang="en-US"/>
+        </a:p>
+      </dgm:t>
     </dgm:pt>
     <dgm:pt modelId="{C625A522-3A93-431E-90DC-EFD3198EDE13}" type="pres">
       <dgm:prSet presAssocID="{706A2267-5AC4-4791-AD34-8117B2ADFA89}" presName="root2" presStyleCnt="0"/>
@@ -1836,10 +1914,26 @@
     <dgm:pt modelId="{1CDE153D-2CEE-48EB-A611-156C21D59072}" type="pres">
       <dgm:prSet presAssocID="{70E5FDB5-5EE9-4857-BCB9-7CF76D7F4229}" presName="conn2-1" presStyleLbl="parChTrans1D3" presStyleIdx="1" presStyleCnt="6"/>
       <dgm:spPr/>
+      <dgm:t>
+        <a:bodyPr/>
+        <a:lstStyle/>
+        <a:p>
+          <a:pPr latinLnBrk="1"/>
+          <a:endParaRPr lang="ko-KR" altLang="en-US"/>
+        </a:p>
+      </dgm:t>
     </dgm:pt>
     <dgm:pt modelId="{7B37DE2D-BD31-416C-9B25-1FDF58307032}" type="pres">
       <dgm:prSet presAssocID="{70E5FDB5-5EE9-4857-BCB9-7CF76D7F4229}" presName="connTx" presStyleLbl="parChTrans1D3" presStyleIdx="1" presStyleCnt="6"/>
       <dgm:spPr/>
+      <dgm:t>
+        <a:bodyPr/>
+        <a:lstStyle/>
+        <a:p>
+          <a:pPr latinLnBrk="1"/>
+          <a:endParaRPr lang="ko-KR" altLang="en-US"/>
+        </a:p>
+      </dgm:t>
     </dgm:pt>
     <dgm:pt modelId="{888037A2-03B8-44CD-A150-C947D18D6B71}" type="pres">
       <dgm:prSet presAssocID="{FE26EEA0-9DE8-43C6-8389-425580107E2D}" presName="root2" presStyleCnt="0"/>
@@ -1868,10 +1962,26 @@
     <dgm:pt modelId="{A421D186-CFAE-495C-91EF-B1E19CCD14AB}" type="pres">
       <dgm:prSet presAssocID="{FFD0F330-F807-4D25-A2E5-1B3FB42ED8E8}" presName="conn2-1" presStyleLbl="parChTrans1D2" presStyleIdx="2" presStyleCnt="6"/>
       <dgm:spPr/>
+      <dgm:t>
+        <a:bodyPr/>
+        <a:lstStyle/>
+        <a:p>
+          <a:pPr latinLnBrk="1"/>
+          <a:endParaRPr lang="ko-KR" altLang="en-US"/>
+        </a:p>
+      </dgm:t>
     </dgm:pt>
     <dgm:pt modelId="{4FDEF1D5-8271-44C5-850C-59290AA64490}" type="pres">
       <dgm:prSet presAssocID="{FFD0F330-F807-4D25-A2E5-1B3FB42ED8E8}" presName="connTx" presStyleLbl="parChTrans1D2" presStyleIdx="2" presStyleCnt="6"/>
       <dgm:spPr/>
+      <dgm:t>
+        <a:bodyPr/>
+        <a:lstStyle/>
+        <a:p>
+          <a:pPr latinLnBrk="1"/>
+          <a:endParaRPr lang="ko-KR" altLang="en-US"/>
+        </a:p>
+      </dgm:t>
     </dgm:pt>
     <dgm:pt modelId="{F92F98C7-B921-473C-8827-DC26F05F3FDF}" type="pres">
       <dgm:prSet presAssocID="{B5B3B7C9-439D-4321-8018-DF69E09AF975}" presName="root2" presStyleCnt="0"/>
@@ -1900,10 +2010,26 @@
     <dgm:pt modelId="{14412B23-54B6-4525-9614-BA7053C23C1E}" type="pres">
       <dgm:prSet presAssocID="{F2714F3D-9D6F-4346-B7B0-590757014155}" presName="conn2-1" presStyleLbl="parChTrans1D3" presStyleIdx="2" presStyleCnt="6"/>
       <dgm:spPr/>
+      <dgm:t>
+        <a:bodyPr/>
+        <a:lstStyle/>
+        <a:p>
+          <a:pPr latinLnBrk="1"/>
+          <a:endParaRPr lang="ko-KR" altLang="en-US"/>
+        </a:p>
+      </dgm:t>
     </dgm:pt>
     <dgm:pt modelId="{09F01092-5DCB-4713-A26F-DE77A0181F6B}" type="pres">
       <dgm:prSet presAssocID="{F2714F3D-9D6F-4346-B7B0-590757014155}" presName="connTx" presStyleLbl="parChTrans1D3" presStyleIdx="2" presStyleCnt="6"/>
       <dgm:spPr/>
+      <dgm:t>
+        <a:bodyPr/>
+        <a:lstStyle/>
+        <a:p>
+          <a:pPr latinLnBrk="1"/>
+          <a:endParaRPr lang="ko-KR" altLang="en-US"/>
+        </a:p>
+      </dgm:t>
     </dgm:pt>
     <dgm:pt modelId="{94A2BEDB-6673-4BF9-82D5-3F3CF08FC351}" type="pres">
       <dgm:prSet presAssocID="{59293F7B-4221-41E3-8DF7-4E9DC57E2A6E}" presName="root2" presStyleCnt="0"/>
@@ -1932,10 +2058,26 @@
     <dgm:pt modelId="{EE128FCC-313A-498A-92FD-946BE319B075}" type="pres">
       <dgm:prSet presAssocID="{9BB1F2A4-70E7-47C8-A367-307CF32ADABF}" presName="conn2-1" presStyleLbl="parChTrans1D2" presStyleIdx="3" presStyleCnt="6"/>
       <dgm:spPr/>
+      <dgm:t>
+        <a:bodyPr/>
+        <a:lstStyle/>
+        <a:p>
+          <a:pPr latinLnBrk="1"/>
+          <a:endParaRPr lang="ko-KR" altLang="en-US"/>
+        </a:p>
+      </dgm:t>
     </dgm:pt>
     <dgm:pt modelId="{D6621292-44EF-4795-AC24-9D4C6D97DEF6}" type="pres">
       <dgm:prSet presAssocID="{9BB1F2A4-70E7-47C8-A367-307CF32ADABF}" presName="connTx" presStyleLbl="parChTrans1D2" presStyleIdx="3" presStyleCnt="6"/>
       <dgm:spPr/>
+      <dgm:t>
+        <a:bodyPr/>
+        <a:lstStyle/>
+        <a:p>
+          <a:pPr latinLnBrk="1"/>
+          <a:endParaRPr lang="ko-KR" altLang="en-US"/>
+        </a:p>
+      </dgm:t>
     </dgm:pt>
     <dgm:pt modelId="{3EEF13CB-C9D1-4ED2-861B-94CF4F1DD16D}" type="pres">
       <dgm:prSet presAssocID="{52017675-0851-4034-A862-4A049E2C4954}" presName="root2" presStyleCnt="0"/>
@@ -1964,10 +2106,26 @@
     <dgm:pt modelId="{57D917F9-6C0D-4BA3-AA23-5A217E3B245E}" type="pres">
       <dgm:prSet presAssocID="{68DE5194-31EA-4685-9571-CFE1232EBF29}" presName="conn2-1" presStyleLbl="parChTrans1D3" presStyleIdx="3" presStyleCnt="6"/>
       <dgm:spPr/>
+      <dgm:t>
+        <a:bodyPr/>
+        <a:lstStyle/>
+        <a:p>
+          <a:pPr latinLnBrk="1"/>
+          <a:endParaRPr lang="ko-KR" altLang="en-US"/>
+        </a:p>
+      </dgm:t>
     </dgm:pt>
     <dgm:pt modelId="{67088A3F-898A-49FF-B3C1-45736443CEC1}" type="pres">
       <dgm:prSet presAssocID="{68DE5194-31EA-4685-9571-CFE1232EBF29}" presName="connTx" presStyleLbl="parChTrans1D3" presStyleIdx="3" presStyleCnt="6"/>
       <dgm:spPr/>
+      <dgm:t>
+        <a:bodyPr/>
+        <a:lstStyle/>
+        <a:p>
+          <a:pPr latinLnBrk="1"/>
+          <a:endParaRPr lang="ko-KR" altLang="en-US"/>
+        </a:p>
+      </dgm:t>
     </dgm:pt>
     <dgm:pt modelId="{57F94A61-D47F-4B99-887A-A18DB2464CA5}" type="pres">
       <dgm:prSet presAssocID="{076927B0-D266-4C63-8290-93EA9827DC97}" presName="root2" presStyleCnt="0"/>
@@ -1996,10 +2154,26 @@
     <dgm:pt modelId="{34631F3B-4B7E-4861-BFE7-DAFAC3B32C55}" type="pres">
       <dgm:prSet presAssocID="{CA5820D2-097A-4963-895B-1A2BB1C48766}" presName="conn2-1" presStyleLbl="parChTrans1D2" presStyleIdx="4" presStyleCnt="6"/>
       <dgm:spPr/>
+      <dgm:t>
+        <a:bodyPr/>
+        <a:lstStyle/>
+        <a:p>
+          <a:pPr latinLnBrk="1"/>
+          <a:endParaRPr lang="ko-KR" altLang="en-US"/>
+        </a:p>
+      </dgm:t>
     </dgm:pt>
     <dgm:pt modelId="{BA44D73C-7326-444D-85AC-A2A443DB661F}" type="pres">
       <dgm:prSet presAssocID="{CA5820D2-097A-4963-895B-1A2BB1C48766}" presName="connTx" presStyleLbl="parChTrans1D2" presStyleIdx="4" presStyleCnt="6"/>
       <dgm:spPr/>
+      <dgm:t>
+        <a:bodyPr/>
+        <a:lstStyle/>
+        <a:p>
+          <a:pPr latinLnBrk="1"/>
+          <a:endParaRPr lang="ko-KR" altLang="en-US"/>
+        </a:p>
+      </dgm:t>
     </dgm:pt>
     <dgm:pt modelId="{3668E1DE-0208-43AA-8610-FAAE33574468}" type="pres">
       <dgm:prSet presAssocID="{405943FE-BCF5-4DDB-8E85-30CBE28A8883}" presName="root2" presStyleCnt="0"/>
@@ -2028,10 +2202,26 @@
     <dgm:pt modelId="{9EE7A09C-E278-4FD4-8A88-F5D804227D6A}" type="pres">
       <dgm:prSet presAssocID="{83AC96E3-4BA5-4A96-BC87-7566147D6A08}" presName="conn2-1" presStyleLbl="parChTrans1D3" presStyleIdx="4" presStyleCnt="6"/>
       <dgm:spPr/>
+      <dgm:t>
+        <a:bodyPr/>
+        <a:lstStyle/>
+        <a:p>
+          <a:pPr latinLnBrk="1"/>
+          <a:endParaRPr lang="ko-KR" altLang="en-US"/>
+        </a:p>
+      </dgm:t>
     </dgm:pt>
     <dgm:pt modelId="{B9481E4C-3EB8-40DB-A710-EF6954083B82}" type="pres">
       <dgm:prSet presAssocID="{83AC96E3-4BA5-4A96-BC87-7566147D6A08}" presName="connTx" presStyleLbl="parChTrans1D3" presStyleIdx="4" presStyleCnt="6"/>
       <dgm:spPr/>
+      <dgm:t>
+        <a:bodyPr/>
+        <a:lstStyle/>
+        <a:p>
+          <a:pPr latinLnBrk="1"/>
+          <a:endParaRPr lang="ko-KR" altLang="en-US"/>
+        </a:p>
+      </dgm:t>
     </dgm:pt>
     <dgm:pt modelId="{A328127B-F932-4FFD-9B0C-8D05D0C10219}" type="pres">
       <dgm:prSet presAssocID="{D9DFF50C-1399-4A00-8F0C-01F2478CA2B5}" presName="root2" presStyleCnt="0"/>
@@ -2060,10 +2250,26 @@
     <dgm:pt modelId="{3BCF73B5-B759-4593-9002-E1A627FFB200}" type="pres">
       <dgm:prSet presAssocID="{98CA182E-39E6-45D1-864A-B8288DAC4D02}" presName="conn2-1" presStyleLbl="parChTrans1D4" presStyleIdx="1" presStyleCnt="5"/>
       <dgm:spPr/>
+      <dgm:t>
+        <a:bodyPr/>
+        <a:lstStyle/>
+        <a:p>
+          <a:pPr latinLnBrk="1"/>
+          <a:endParaRPr lang="ko-KR" altLang="en-US"/>
+        </a:p>
+      </dgm:t>
     </dgm:pt>
     <dgm:pt modelId="{A2BDDB94-6389-4CA7-9775-67D51266B03B}" type="pres">
       <dgm:prSet presAssocID="{98CA182E-39E6-45D1-864A-B8288DAC4D02}" presName="connTx" presStyleLbl="parChTrans1D4" presStyleIdx="1" presStyleCnt="5"/>
       <dgm:spPr/>
+      <dgm:t>
+        <a:bodyPr/>
+        <a:lstStyle/>
+        <a:p>
+          <a:pPr latinLnBrk="1"/>
+          <a:endParaRPr lang="ko-KR" altLang="en-US"/>
+        </a:p>
+      </dgm:t>
     </dgm:pt>
     <dgm:pt modelId="{5236A7B6-55B2-4AB1-969F-F8928078A024}" type="pres">
       <dgm:prSet presAssocID="{B77DF0C7-9E81-4C35-A2D6-488A55FA08A2}" presName="root2" presStyleCnt="0"/>
@@ -2092,10 +2298,26 @@
     <dgm:pt modelId="{919D33BE-B665-44E9-8482-2098DF01F629}" type="pres">
       <dgm:prSet presAssocID="{0D27CECA-EBCE-42B5-A2D3-BD7D4CA73979}" presName="conn2-1" presStyleLbl="parChTrans1D4" presStyleIdx="2" presStyleCnt="5"/>
       <dgm:spPr/>
+      <dgm:t>
+        <a:bodyPr/>
+        <a:lstStyle/>
+        <a:p>
+          <a:pPr latinLnBrk="1"/>
+          <a:endParaRPr lang="ko-KR" altLang="en-US"/>
+        </a:p>
+      </dgm:t>
     </dgm:pt>
     <dgm:pt modelId="{ABC3B7F4-3B3C-4B21-9BDE-390024E33F76}" type="pres">
       <dgm:prSet presAssocID="{0D27CECA-EBCE-42B5-A2D3-BD7D4CA73979}" presName="connTx" presStyleLbl="parChTrans1D4" presStyleIdx="2" presStyleCnt="5"/>
       <dgm:spPr/>
+      <dgm:t>
+        <a:bodyPr/>
+        <a:lstStyle/>
+        <a:p>
+          <a:pPr latinLnBrk="1"/>
+          <a:endParaRPr lang="ko-KR" altLang="en-US"/>
+        </a:p>
+      </dgm:t>
     </dgm:pt>
     <dgm:pt modelId="{18978DA6-99C6-48E8-80A0-9CA0D37DA30F}" type="pres">
       <dgm:prSet presAssocID="{D168AD20-9BCA-4BDC-9703-38A7D1E7C409}" presName="root2" presStyleCnt="0"/>
@@ -2124,10 +2346,26 @@
     <dgm:pt modelId="{B3E1F139-72F9-4069-8719-768191BFEC26}" type="pres">
       <dgm:prSet presAssocID="{502AD7A1-73EC-4044-8E16-2BA10C7D66EC}" presName="conn2-1" presStyleLbl="parChTrans1D2" presStyleIdx="5" presStyleCnt="6"/>
       <dgm:spPr/>
+      <dgm:t>
+        <a:bodyPr/>
+        <a:lstStyle/>
+        <a:p>
+          <a:pPr latinLnBrk="1"/>
+          <a:endParaRPr lang="ko-KR" altLang="en-US"/>
+        </a:p>
+      </dgm:t>
     </dgm:pt>
     <dgm:pt modelId="{E63E6CE6-FDFF-4768-848D-9E0AFD512BDD}" type="pres">
       <dgm:prSet presAssocID="{502AD7A1-73EC-4044-8E16-2BA10C7D66EC}" presName="connTx" presStyleLbl="parChTrans1D2" presStyleIdx="5" presStyleCnt="6"/>
       <dgm:spPr/>
+      <dgm:t>
+        <a:bodyPr/>
+        <a:lstStyle/>
+        <a:p>
+          <a:pPr latinLnBrk="1"/>
+          <a:endParaRPr lang="ko-KR" altLang="en-US"/>
+        </a:p>
+      </dgm:t>
     </dgm:pt>
     <dgm:pt modelId="{93F53EB2-C862-49A8-863C-0889DC866FFB}" type="pres">
       <dgm:prSet presAssocID="{2BE1ABC9-FD22-491C-974A-029A4B5F7AB1}" presName="root2" presStyleCnt="0"/>
@@ -2156,10 +2394,26 @@
     <dgm:pt modelId="{6975FAE1-A0B9-4EE7-900F-407E833AFDDD}" type="pres">
       <dgm:prSet presAssocID="{DF4F6E66-0919-4D4A-A70C-E64C55F09BC5}" presName="conn2-1" presStyleLbl="parChTrans1D3" presStyleIdx="5" presStyleCnt="6"/>
       <dgm:spPr/>
+      <dgm:t>
+        <a:bodyPr/>
+        <a:lstStyle/>
+        <a:p>
+          <a:pPr latinLnBrk="1"/>
+          <a:endParaRPr lang="ko-KR" altLang="en-US"/>
+        </a:p>
+      </dgm:t>
     </dgm:pt>
     <dgm:pt modelId="{772C8766-D38D-453A-BB0B-BC6CA211E1B8}" type="pres">
       <dgm:prSet presAssocID="{DF4F6E66-0919-4D4A-A70C-E64C55F09BC5}" presName="connTx" presStyleLbl="parChTrans1D3" presStyleIdx="5" presStyleCnt="6"/>
       <dgm:spPr/>
+      <dgm:t>
+        <a:bodyPr/>
+        <a:lstStyle/>
+        <a:p>
+          <a:pPr latinLnBrk="1"/>
+          <a:endParaRPr lang="ko-KR" altLang="en-US"/>
+        </a:p>
+      </dgm:t>
     </dgm:pt>
     <dgm:pt modelId="{A38A6CC7-D0CB-4351-B489-CEA5FA7CCA89}" type="pres">
       <dgm:prSet presAssocID="{362ED6CC-6D26-40DD-BB7C-516DDF2EB147}" presName="root2" presStyleCnt="0"/>
@@ -2188,10 +2442,26 @@
     <dgm:pt modelId="{9F59D631-8BC5-476D-9D78-9EBB2EAB00A2}" type="pres">
       <dgm:prSet presAssocID="{C4D01A6D-9EC9-4EFB-B945-DAB99A6C7FA0}" presName="conn2-1" presStyleLbl="parChTrans1D4" presStyleIdx="3" presStyleCnt="5"/>
       <dgm:spPr/>
+      <dgm:t>
+        <a:bodyPr/>
+        <a:lstStyle/>
+        <a:p>
+          <a:pPr latinLnBrk="1"/>
+          <a:endParaRPr lang="ko-KR" altLang="en-US"/>
+        </a:p>
+      </dgm:t>
     </dgm:pt>
     <dgm:pt modelId="{022B6BE1-75BE-41F6-B7B0-0B875F9D33DB}" type="pres">
       <dgm:prSet presAssocID="{C4D01A6D-9EC9-4EFB-B945-DAB99A6C7FA0}" presName="connTx" presStyleLbl="parChTrans1D4" presStyleIdx="3" presStyleCnt="5"/>
       <dgm:spPr/>
+      <dgm:t>
+        <a:bodyPr/>
+        <a:lstStyle/>
+        <a:p>
+          <a:pPr latinLnBrk="1"/>
+          <a:endParaRPr lang="ko-KR" altLang="en-US"/>
+        </a:p>
+      </dgm:t>
     </dgm:pt>
     <dgm:pt modelId="{83173EB0-2303-4C5B-9B03-E6FBAB69EA71}" type="pres">
       <dgm:prSet presAssocID="{F4D8756A-6A16-45D7-8056-BC73BD10D842}" presName="root2" presStyleCnt="0"/>
@@ -2204,6 +2474,14 @@
         </dgm:presLayoutVars>
       </dgm:prSet>
       <dgm:spPr/>
+      <dgm:t>
+        <a:bodyPr/>
+        <a:lstStyle/>
+        <a:p>
+          <a:pPr latinLnBrk="1"/>
+          <a:endParaRPr lang="ko-KR" altLang="en-US"/>
+        </a:p>
+      </dgm:t>
     </dgm:pt>
     <dgm:pt modelId="{BA427393-0958-4E94-A597-374C8C1E7AC8}" type="pres">
       <dgm:prSet presAssocID="{F4D8756A-6A16-45D7-8056-BC73BD10D842}" presName="level3hierChild" presStyleCnt="0"/>
@@ -2212,10 +2490,26 @@
     <dgm:pt modelId="{92CEE26F-7226-4317-8D2F-F15E63E3500E}" type="pres">
       <dgm:prSet presAssocID="{E0390A72-2F8A-4836-B4E7-BB6231BBB207}" presName="conn2-1" presStyleLbl="parChTrans1D4" presStyleIdx="4" presStyleCnt="5"/>
       <dgm:spPr/>
+      <dgm:t>
+        <a:bodyPr/>
+        <a:lstStyle/>
+        <a:p>
+          <a:pPr latinLnBrk="1"/>
+          <a:endParaRPr lang="ko-KR" altLang="en-US"/>
+        </a:p>
+      </dgm:t>
     </dgm:pt>
     <dgm:pt modelId="{2985F125-1914-4277-919C-D7FF631A809B}" type="pres">
       <dgm:prSet presAssocID="{E0390A72-2F8A-4836-B4E7-BB6231BBB207}" presName="connTx" presStyleLbl="parChTrans1D4" presStyleIdx="4" presStyleCnt="5"/>
       <dgm:spPr/>
+      <dgm:t>
+        <a:bodyPr/>
+        <a:lstStyle/>
+        <a:p>
+          <a:pPr latinLnBrk="1"/>
+          <a:endParaRPr lang="ko-KR" altLang="en-US"/>
+        </a:p>
+      </dgm:t>
     </dgm:pt>
     <dgm:pt modelId="{7DD95430-747E-4251-84D6-684E29514931}" type="pres">
       <dgm:prSet presAssocID="{65AFD029-D0A9-4695-B57D-ECA70A4A145F}" presName="root2" presStyleCnt="0"/>
@@ -2228,6 +2522,14 @@
         </dgm:presLayoutVars>
       </dgm:prSet>
       <dgm:spPr/>
+      <dgm:t>
+        <a:bodyPr/>
+        <a:lstStyle/>
+        <a:p>
+          <a:pPr latinLnBrk="1"/>
+          <a:endParaRPr lang="ko-KR" altLang="en-US"/>
+        </a:p>
+      </dgm:t>
     </dgm:pt>
     <dgm:pt modelId="{AB4327A7-0086-4429-87D3-75C31DBD92CA}" type="pres">
       <dgm:prSet presAssocID="{65AFD029-D0A9-4695-B57D-ECA70A4A145F}" presName="level3hierChild" presStyleCnt="0"/>
@@ -2235,77 +2537,77 @@
     </dgm:pt>
   </dgm:ptLst>
   <dgm:cxnLst>
+    <dgm:cxn modelId="{C50DEEE9-7F0F-404B-A348-831B93BFCD08}" type="presOf" srcId="{DF4F6E66-0919-4D4A-A70C-E64C55F09BC5}" destId="{6975FAE1-A0B9-4EE7-900F-407E833AFDDD}" srcOrd="0" destOrd="0" presId="urn:microsoft.com/office/officeart/2008/layout/HorizontalMultiLevelHierarchy"/>
+    <dgm:cxn modelId="{2264BDE7-3FE8-4389-A24D-15D65872F4EB}" type="presOf" srcId="{405943FE-BCF5-4DDB-8E85-30CBE28A8883}" destId="{71CBC683-6EC0-4865-9227-15F1C69D68C2}" srcOrd="0" destOrd="0" presId="urn:microsoft.com/office/officeart/2008/layout/HorizontalMultiLevelHierarchy"/>
+    <dgm:cxn modelId="{CC8A8B18-6978-4005-A404-5E9587B1CB46}" srcId="{85DAF3BF-E862-410E-B0B5-5B19A1FB5F00}" destId="{706A2267-5AC4-4791-AD34-8117B2ADFA89}" srcOrd="1" destOrd="0" parTransId="{DA1D7123-9E5B-42F9-B690-99039013ABBE}" sibTransId="{954E76BD-B0BC-4890-B3D1-36A227443DD6}"/>
+    <dgm:cxn modelId="{89E8EFC8-B247-430B-9BF1-B4FF87215B69}" type="presOf" srcId="{70E5FDB5-5EE9-4857-BCB9-7CF76D7F4229}" destId="{7B37DE2D-BD31-416C-9B25-1FDF58307032}" srcOrd="1" destOrd="0" presId="urn:microsoft.com/office/officeart/2008/layout/HorizontalMultiLevelHierarchy"/>
+    <dgm:cxn modelId="{847D25FE-EE8F-4F27-805E-D5F62F5B8785}" type="presOf" srcId="{ABBAEF72-1379-4E85-8EE0-52108355C538}" destId="{79AFDE72-A684-49B7-84AF-B09F5CA7DB22}" srcOrd="0" destOrd="0" presId="urn:microsoft.com/office/officeart/2008/layout/HorizontalMultiLevelHierarchy"/>
+    <dgm:cxn modelId="{B9BFA1E0-A6A9-4FF9-91B6-E522D498D7D1}" type="presOf" srcId="{70E5FDB5-5EE9-4857-BCB9-7CF76D7F4229}" destId="{1CDE153D-2CEE-48EB-A611-156C21D59072}" srcOrd="0" destOrd="0" presId="urn:microsoft.com/office/officeart/2008/layout/HorizontalMultiLevelHierarchy"/>
+    <dgm:cxn modelId="{8DA8BE9B-0149-4EBF-B33F-D6358360F9F6}" srcId="{2BE1ABC9-FD22-491C-974A-029A4B5F7AB1}" destId="{362ED6CC-6D26-40DD-BB7C-516DDF2EB147}" srcOrd="0" destOrd="0" parTransId="{DF4F6E66-0919-4D4A-A70C-E64C55F09BC5}" sibTransId="{CE09B09A-FB85-417A-8062-673DF0299126}"/>
+    <dgm:cxn modelId="{C9B68689-DD64-4675-ABFB-F2E684EC5A7D}" type="presOf" srcId="{362ED6CC-6D26-40DD-BB7C-516DDF2EB147}" destId="{38C6F073-27F0-4E03-AE50-3479969917E2}" srcOrd="0" destOrd="0" presId="urn:microsoft.com/office/officeart/2008/layout/HorizontalMultiLevelHierarchy"/>
+    <dgm:cxn modelId="{F67B5558-DACF-40C6-9D4F-4D61A359670E}" type="presOf" srcId="{D168AD20-9BCA-4BDC-9703-38A7D1E7C409}" destId="{7933AC29-CEB4-4FE5-BE12-CDBDA220C40C}" srcOrd="0" destOrd="0" presId="urn:microsoft.com/office/officeart/2008/layout/HorizontalMultiLevelHierarchy"/>
+    <dgm:cxn modelId="{DC0393BF-29DB-4D09-AC8F-8211386ED367}" type="presOf" srcId="{A139D5A8-C2C4-4F7E-87D3-562F86AB453C}" destId="{93CE2AD5-F225-4A15-89F1-54BE500E65AE}" srcOrd="1" destOrd="0" presId="urn:microsoft.com/office/officeart/2008/layout/HorizontalMultiLevelHierarchy"/>
+    <dgm:cxn modelId="{6780AB6A-45D0-4BC0-91F0-E714E54A93AE}" type="presOf" srcId="{D9DFF50C-1399-4A00-8F0C-01F2478CA2B5}" destId="{F415BDFA-4CA3-4B98-ABC6-BE4E72C39D9E}" srcOrd="0" destOrd="0" presId="urn:microsoft.com/office/officeart/2008/layout/HorizontalMultiLevelHierarchy"/>
+    <dgm:cxn modelId="{0EC1E008-14CD-4C17-A5AE-5C7CEDEC647B}" type="presOf" srcId="{98CA182E-39E6-45D1-864A-B8288DAC4D02}" destId="{A2BDDB94-6389-4CA7-9775-67D51266B03B}" srcOrd="1" destOrd="0" presId="urn:microsoft.com/office/officeart/2008/layout/HorizontalMultiLevelHierarchy"/>
+    <dgm:cxn modelId="{4281EAFA-C291-474E-8FA6-16F751B67FD9}" type="presOf" srcId="{502AD7A1-73EC-4044-8E16-2BA10C7D66EC}" destId="{E63E6CE6-FDFF-4768-848D-9E0AFD512BDD}" srcOrd="1" destOrd="0" presId="urn:microsoft.com/office/officeart/2008/layout/HorizontalMultiLevelHierarchy"/>
+    <dgm:cxn modelId="{C20F707A-C407-4B2D-B2BF-0AE2A4B3A64E}" srcId="{85DAF3BF-E862-410E-B0B5-5B19A1FB5F00}" destId="{2BE1ABC9-FD22-491C-974A-029A4B5F7AB1}" srcOrd="5" destOrd="0" parTransId="{502AD7A1-73EC-4044-8E16-2BA10C7D66EC}" sibTransId="{75CF5203-B664-4A33-8814-015977748B14}"/>
+    <dgm:cxn modelId="{E990D314-F63A-4834-AA17-E319F619807A}" srcId="{285F58D3-5434-486E-B3EA-97573B9BBADA}" destId="{FDD0CC1B-9115-4C75-A35C-3A4E241F59BA}" srcOrd="0" destOrd="0" parTransId="{A139D5A8-C2C4-4F7E-87D3-562F86AB453C}" sibTransId="{EEC6BC8C-1704-47E9-A48D-384BE7F57068}"/>
+    <dgm:cxn modelId="{1C08B216-422A-4D84-B007-4B38F38DF530}" type="presOf" srcId="{CA5820D2-097A-4963-895B-1A2BB1C48766}" destId="{BA44D73C-7326-444D-85AC-A2A443DB661F}" srcOrd="1" destOrd="0" presId="urn:microsoft.com/office/officeart/2008/layout/HorizontalMultiLevelHierarchy"/>
+    <dgm:cxn modelId="{531BBEC6-C5AF-491E-B479-03DE5318AF19}" type="presOf" srcId="{65AFD029-D0A9-4695-B57D-ECA70A4A145F}" destId="{C646AFEB-2A7E-444E-93B4-A5439435C274}" srcOrd="0" destOrd="0" presId="urn:microsoft.com/office/officeart/2008/layout/HorizontalMultiLevelHierarchy"/>
+    <dgm:cxn modelId="{957CAB71-F4C6-4A04-84E6-7472B6AAC8B3}" type="presOf" srcId="{FFD0F330-F807-4D25-A2E5-1B3FB42ED8E8}" destId="{4FDEF1D5-8271-44C5-850C-59290AA64490}" srcOrd="1" destOrd="0" presId="urn:microsoft.com/office/officeart/2008/layout/HorizontalMultiLevelHierarchy"/>
+    <dgm:cxn modelId="{B04AFA98-29D8-40BA-BBB7-68C96E000D14}" srcId="{362ED6CC-6D26-40DD-BB7C-516DDF2EB147}" destId="{F4D8756A-6A16-45D7-8056-BC73BD10D842}" srcOrd="0" destOrd="0" parTransId="{C4D01A6D-9EC9-4EFB-B945-DAB99A6C7FA0}" sibTransId="{7C3C5246-5EB3-4234-8F6D-EE9D3539F03B}"/>
+    <dgm:cxn modelId="{3F334F97-5A85-4FCD-9BE9-2415DBE1686D}" type="presOf" srcId="{85DAF3BF-E862-410E-B0B5-5B19A1FB5F00}" destId="{292FF108-2796-42D8-A930-A7077F2FC822}" srcOrd="0" destOrd="0" presId="urn:microsoft.com/office/officeart/2008/layout/HorizontalMultiLevelHierarchy"/>
+    <dgm:cxn modelId="{B8AF93A5-2DE3-4897-AF48-9F700ED3A63B}" srcId="{405943FE-BCF5-4DDB-8E85-30CBE28A8883}" destId="{D9DFF50C-1399-4A00-8F0C-01F2478CA2B5}" srcOrd="0" destOrd="0" parTransId="{83AC96E3-4BA5-4A96-BC87-7566147D6A08}" sibTransId="{1ABCB4FF-FD1E-4D55-8903-22527B82877B}"/>
+    <dgm:cxn modelId="{6D97E790-8A4F-4667-868B-F64BC64D3324}" srcId="{9C5A7DC4-E473-4FC2-B811-E6682C38217F}" destId="{285F58D3-5434-486E-B3EA-97573B9BBADA}" srcOrd="0" destOrd="0" parTransId="{A3DF9C42-07A4-4225-AF0E-61037EB7FEE9}" sibTransId="{C14E713C-5674-44BD-A3F0-ABFDEC18D5AA}"/>
+    <dgm:cxn modelId="{2FFE304F-63CB-43AE-937D-1FC9C8AC3D22}" type="presOf" srcId="{68DE5194-31EA-4685-9571-CFE1232EBF29}" destId="{67088A3F-898A-49FF-B3C1-45736443CEC1}" srcOrd="1" destOrd="0" presId="urn:microsoft.com/office/officeart/2008/layout/HorizontalMultiLevelHierarchy"/>
+    <dgm:cxn modelId="{C9C912E5-1819-44A7-BB31-89F4B9FC071F}" type="presOf" srcId="{68DE5194-31EA-4685-9571-CFE1232EBF29}" destId="{57D917F9-6C0D-4BA3-AA23-5A217E3B245E}" srcOrd="0" destOrd="0" presId="urn:microsoft.com/office/officeart/2008/layout/HorizontalMultiLevelHierarchy"/>
+    <dgm:cxn modelId="{E62BBEFD-E352-4F97-A5D9-8A122CEC84DE}" type="presOf" srcId="{A3DF9C42-07A4-4225-AF0E-61037EB7FEE9}" destId="{3E0ADFEB-1595-4BBA-B06E-12DA0DD2D73B}" srcOrd="0" destOrd="0" presId="urn:microsoft.com/office/officeart/2008/layout/HorizontalMultiLevelHierarchy"/>
+    <dgm:cxn modelId="{341EB97B-0F91-403A-AAB7-BC464A7068EB}" srcId="{706A2267-5AC4-4791-AD34-8117B2ADFA89}" destId="{FE26EEA0-9DE8-43C6-8389-425580107E2D}" srcOrd="0" destOrd="0" parTransId="{70E5FDB5-5EE9-4857-BCB9-7CF76D7F4229}" sibTransId="{0BB3DEFF-E757-4397-84E1-58137DB8E088}"/>
+    <dgm:cxn modelId="{FEFAFA36-CD48-4130-AE94-68FB6CB8ED75}" type="presOf" srcId="{CA5820D2-097A-4963-895B-1A2BB1C48766}" destId="{34631F3B-4B7E-4861-BFE7-DAFAC3B32C55}" srcOrd="0" destOrd="0" presId="urn:microsoft.com/office/officeart/2008/layout/HorizontalMultiLevelHierarchy"/>
+    <dgm:cxn modelId="{E6188AA9-62AE-40A5-9CCA-E549911754CB}" type="presOf" srcId="{0D27CECA-EBCE-42B5-A2D3-BD7D4CA73979}" destId="{919D33BE-B665-44E9-8482-2098DF01F629}" srcOrd="0" destOrd="0" presId="urn:microsoft.com/office/officeart/2008/layout/HorizontalMultiLevelHierarchy"/>
+    <dgm:cxn modelId="{255FCAD0-6A27-4755-BE20-75F1790D83D1}" type="presOf" srcId="{285F58D3-5434-486E-B3EA-97573B9BBADA}" destId="{5CEDF295-D360-4BB5-94BA-7D69C692CAA2}" srcOrd="0" destOrd="0" presId="urn:microsoft.com/office/officeart/2008/layout/HorizontalMultiLevelHierarchy"/>
+    <dgm:cxn modelId="{B4AD0851-8478-4831-954B-F40FAA96F92B}" type="presOf" srcId="{FFD0F330-F807-4D25-A2E5-1B3FB42ED8E8}" destId="{A421D186-CFAE-495C-91EF-B1E19CCD14AB}" srcOrd="0" destOrd="0" presId="urn:microsoft.com/office/officeart/2008/layout/HorizontalMultiLevelHierarchy"/>
+    <dgm:cxn modelId="{8BFA0116-759F-4260-82A6-5F6BAB768C6D}" type="presOf" srcId="{98CA182E-39E6-45D1-864A-B8288DAC4D02}" destId="{3BCF73B5-B759-4593-9002-E1A627FFB200}" srcOrd="0" destOrd="0" presId="urn:microsoft.com/office/officeart/2008/layout/HorizontalMultiLevelHierarchy"/>
+    <dgm:cxn modelId="{7F0EB921-0643-4BC6-B194-000473D42FCA}" type="presOf" srcId="{2BE1ABC9-FD22-491C-974A-029A4B5F7AB1}" destId="{A53915CE-A9CA-46EF-B11D-295AA155AAEF}" srcOrd="0" destOrd="0" presId="urn:microsoft.com/office/officeart/2008/layout/HorizontalMultiLevelHierarchy"/>
+    <dgm:cxn modelId="{88673144-DACC-4B93-8168-90844A4741AC}" srcId="{85DAF3BF-E862-410E-B0B5-5B19A1FB5F00}" destId="{B5B3B7C9-439D-4321-8018-DF69E09AF975}" srcOrd="2" destOrd="0" parTransId="{FFD0F330-F807-4D25-A2E5-1B3FB42ED8E8}" sibTransId="{13F8C153-F68F-40A0-AFED-71C6A527C6E8}"/>
+    <dgm:cxn modelId="{45E96D26-8802-4F08-BB18-8411ECC8A9CC}" type="presOf" srcId="{A139D5A8-C2C4-4F7E-87D3-562F86AB453C}" destId="{CE60EB9C-BF2D-4F80-B4F2-D150C921583A}" srcOrd="0" destOrd="0" presId="urn:microsoft.com/office/officeart/2008/layout/HorizontalMultiLevelHierarchy"/>
+    <dgm:cxn modelId="{1EA9C767-DD59-4FB6-A26C-0769D56BE033}" type="presOf" srcId="{E0390A72-2F8A-4836-B4E7-BB6231BBB207}" destId="{2985F125-1914-4277-919C-D7FF631A809B}" srcOrd="1" destOrd="0" presId="urn:microsoft.com/office/officeart/2008/layout/HorizontalMultiLevelHierarchy"/>
+    <dgm:cxn modelId="{7E8F7E68-106B-4904-90FA-91440A5906DF}" type="presOf" srcId="{706A2267-5AC4-4791-AD34-8117B2ADFA89}" destId="{1960D41F-952A-4D9C-8409-5280018EF420}" srcOrd="0" destOrd="0" presId="urn:microsoft.com/office/officeart/2008/layout/HorizontalMultiLevelHierarchy"/>
+    <dgm:cxn modelId="{CE16F0F1-D01B-4C31-8289-3710AEB05E34}" type="presOf" srcId="{C4D01A6D-9EC9-4EFB-B945-DAB99A6C7FA0}" destId="{9F59D631-8BC5-476D-9D78-9EBB2EAB00A2}" srcOrd="0" destOrd="0" presId="urn:microsoft.com/office/officeart/2008/layout/HorizontalMultiLevelHierarchy"/>
+    <dgm:cxn modelId="{D4BFF051-586B-4B9F-B2E4-37EFE16697E5}" type="presOf" srcId="{B77DF0C7-9E81-4C35-A2D6-488A55FA08A2}" destId="{34D76AFE-7E0D-4C14-B3AF-FA2E51B9A95E}" srcOrd="0" destOrd="0" presId="urn:microsoft.com/office/officeart/2008/layout/HorizontalMultiLevelHierarchy"/>
     <dgm:cxn modelId="{63EF9067-817C-4C8E-8861-ADB54C4BDD51}" type="presOf" srcId="{FE26EEA0-9DE8-43C6-8389-425580107E2D}" destId="{6A0BFEA1-5943-4238-A863-9EEBC289BCDA}" srcOrd="0" destOrd="0" presId="urn:microsoft.com/office/officeart/2008/layout/HorizontalMultiLevelHierarchy"/>
-    <dgm:cxn modelId="{687F1084-7BEE-4D68-8221-49AEBBBD64E4}" type="presOf" srcId="{112C04C2-3305-491A-B48D-790856F347F4}" destId="{AC3A8B3E-8581-493C-8A17-158C8B3F76CF}" srcOrd="0" destOrd="0" presId="urn:microsoft.com/office/officeart/2008/layout/HorizontalMultiLevelHierarchy"/>
-    <dgm:cxn modelId="{2FFE304F-63CB-43AE-937D-1FC9C8AC3D22}" type="presOf" srcId="{68DE5194-31EA-4685-9571-CFE1232EBF29}" destId="{67088A3F-898A-49FF-B3C1-45736443CEC1}" srcOrd="1" destOrd="0" presId="urn:microsoft.com/office/officeart/2008/layout/HorizontalMultiLevelHierarchy"/>
-    <dgm:cxn modelId="{3F334F97-5A85-4FCD-9BE9-2415DBE1686D}" type="presOf" srcId="{85DAF3BF-E862-410E-B0B5-5B19A1FB5F00}" destId="{292FF108-2796-42D8-A930-A7077F2FC822}" srcOrd="0" destOrd="0" presId="urn:microsoft.com/office/officeart/2008/layout/HorizontalMultiLevelHierarchy"/>
+    <dgm:cxn modelId="{6F42576E-BFAB-4A3A-A008-E3898272DF58}" srcId="{52017675-0851-4034-A862-4A049E2C4954}" destId="{076927B0-D266-4C63-8290-93EA9827DC97}" srcOrd="0" destOrd="0" parTransId="{68DE5194-31EA-4685-9571-CFE1232EBF29}" sibTransId="{629132B3-46E4-49B1-B4F5-D254B0CFA8BC}"/>
+    <dgm:cxn modelId="{92717FBE-FD08-444B-ACC4-DF405EDA8A8B}" srcId="{B5B3B7C9-439D-4321-8018-DF69E09AF975}" destId="{59293F7B-4221-41E3-8DF7-4E9DC57E2A6E}" srcOrd="0" destOrd="0" parTransId="{F2714F3D-9D6F-4346-B7B0-590757014155}" sibTransId="{6C5FC0D6-D4E8-4219-A06B-D657F48C65ED}"/>
     <dgm:cxn modelId="{461ACFA9-DD1B-4D1F-9A9C-4A8273B8D106}" type="presOf" srcId="{502AD7A1-73EC-4044-8E16-2BA10C7D66EC}" destId="{B3E1F139-72F9-4069-8719-768191BFEC26}" srcOrd="0" destOrd="0" presId="urn:microsoft.com/office/officeart/2008/layout/HorizontalMultiLevelHierarchy"/>
-    <dgm:cxn modelId="{31A2A18F-54E2-4258-8E89-02888CB8BE2D}" type="presOf" srcId="{59293F7B-4221-41E3-8DF7-4E9DC57E2A6E}" destId="{9529DD9B-FFC7-4E62-9557-95E0C99A0BF6}" srcOrd="0" destOrd="0" presId="urn:microsoft.com/office/officeart/2008/layout/HorizontalMultiLevelHierarchy"/>
-    <dgm:cxn modelId="{E990D314-F63A-4834-AA17-E319F619807A}" srcId="{285F58D3-5434-486E-B3EA-97573B9BBADA}" destId="{FDD0CC1B-9115-4C75-A35C-3A4E241F59BA}" srcOrd="0" destOrd="0" parTransId="{A139D5A8-C2C4-4F7E-87D3-562F86AB453C}" sibTransId="{EEC6BC8C-1704-47E9-A48D-384BE7F57068}"/>
-    <dgm:cxn modelId="{ED4702CC-86B2-4430-AFEB-CEFD8E6B3C05}" srcId="{D9DFF50C-1399-4A00-8F0C-01F2478CA2B5}" destId="{B77DF0C7-9E81-4C35-A2D6-488A55FA08A2}" srcOrd="0" destOrd="0" parTransId="{98CA182E-39E6-45D1-864A-B8288DAC4D02}" sibTransId="{7C5EEAF3-1D43-45FB-A811-5D33B3DBD605}"/>
-    <dgm:cxn modelId="{957CAB71-F4C6-4A04-84E6-7472B6AAC8B3}" type="presOf" srcId="{FFD0F330-F807-4D25-A2E5-1B3FB42ED8E8}" destId="{4FDEF1D5-8271-44C5-850C-59290AA64490}" srcOrd="1" destOrd="0" presId="urn:microsoft.com/office/officeart/2008/layout/HorizontalMultiLevelHierarchy"/>
-    <dgm:cxn modelId="{C5E2FC1C-7E81-4476-839A-C5911DF5C819}" type="presOf" srcId="{9C5A7DC4-E473-4FC2-B811-E6682C38217F}" destId="{90D8C367-D52C-4F01-82B9-CF2EF4DDDDF3}" srcOrd="0" destOrd="0" presId="urn:microsoft.com/office/officeart/2008/layout/HorizontalMultiLevelHierarchy"/>
-    <dgm:cxn modelId="{89E8EFC8-B247-430B-9BF1-B4FF87215B69}" type="presOf" srcId="{70E5FDB5-5EE9-4857-BCB9-7CF76D7F4229}" destId="{7B37DE2D-BD31-416C-9B25-1FDF58307032}" srcOrd="1" destOrd="0" presId="urn:microsoft.com/office/officeart/2008/layout/HorizontalMultiLevelHierarchy"/>
-    <dgm:cxn modelId="{2AFC572F-ACD3-4EAA-8463-C20FA8AB30FB}" type="presOf" srcId="{0D27CECA-EBCE-42B5-A2D3-BD7D4CA73979}" destId="{ABC3B7F4-3B3C-4B21-9BDE-390024E33F76}" srcOrd="1" destOrd="0" presId="urn:microsoft.com/office/officeart/2008/layout/HorizontalMultiLevelHierarchy"/>
-    <dgm:cxn modelId="{BD990C54-C560-45CE-A96C-2394AECEAEF8}" type="presOf" srcId="{DF4F6E66-0919-4D4A-A70C-E64C55F09BC5}" destId="{772C8766-D38D-453A-BB0B-BC6CA211E1B8}" srcOrd="1" destOrd="0" presId="urn:microsoft.com/office/officeart/2008/layout/HorizontalMultiLevelHierarchy"/>
-    <dgm:cxn modelId="{A004B63D-BBBC-4774-9949-181B88EC081B}" type="presOf" srcId="{076927B0-D266-4C63-8290-93EA9827DC97}" destId="{9FB67CE4-6426-40FF-AA3A-3FE1D5377338}" srcOrd="0" destOrd="0" presId="urn:microsoft.com/office/officeart/2008/layout/HorizontalMultiLevelHierarchy"/>
-    <dgm:cxn modelId="{F67B5558-DACF-40C6-9D4F-4D61A359670E}" type="presOf" srcId="{D168AD20-9BCA-4BDC-9703-38A7D1E7C409}" destId="{7933AC29-CEB4-4FE5-BE12-CDBDA220C40C}" srcOrd="0" destOrd="0" presId="urn:microsoft.com/office/officeart/2008/layout/HorizontalMultiLevelHierarchy"/>
-    <dgm:cxn modelId="{B8AF93A5-2DE3-4897-AF48-9F700ED3A63B}" srcId="{405943FE-BCF5-4DDB-8E85-30CBE28A8883}" destId="{D9DFF50C-1399-4A00-8F0C-01F2478CA2B5}" srcOrd="0" destOrd="0" parTransId="{83AC96E3-4BA5-4A96-BC87-7566147D6A08}" sibTransId="{1ABCB4FF-FD1E-4D55-8903-22527B82877B}"/>
-    <dgm:cxn modelId="{847D25FE-EE8F-4F27-805E-D5F62F5B8785}" type="presOf" srcId="{ABBAEF72-1379-4E85-8EE0-52108355C538}" destId="{79AFDE72-A684-49B7-84AF-B09F5CA7DB22}" srcOrd="0" destOrd="0" presId="urn:microsoft.com/office/officeart/2008/layout/HorizontalMultiLevelHierarchy"/>
     <dgm:cxn modelId="{BE5C044E-923D-480A-9956-395C133A60BF}" type="presOf" srcId="{B5B3B7C9-439D-4321-8018-DF69E09AF975}" destId="{C14D0C26-B8FB-47AF-851B-260B1A4F36AA}" srcOrd="0" destOrd="0" presId="urn:microsoft.com/office/officeart/2008/layout/HorizontalMultiLevelHierarchy"/>
     <dgm:cxn modelId="{D864D1DB-5B0C-4A01-9A98-7842273B34BC}" type="presOf" srcId="{9BB1F2A4-70E7-47C8-A367-307CF32ADABF}" destId="{EE128FCC-313A-498A-92FD-946BE319B075}" srcOrd="0" destOrd="0" presId="urn:microsoft.com/office/officeart/2008/layout/HorizontalMultiLevelHierarchy"/>
-    <dgm:cxn modelId="{7F0EB921-0643-4BC6-B194-000473D42FCA}" type="presOf" srcId="{2BE1ABC9-FD22-491C-974A-029A4B5F7AB1}" destId="{A53915CE-A9CA-46EF-B11D-295AA155AAEF}" srcOrd="0" destOrd="0" presId="urn:microsoft.com/office/officeart/2008/layout/HorizontalMultiLevelHierarchy"/>
-    <dgm:cxn modelId="{88673144-DACC-4B93-8168-90844A4741AC}" srcId="{85DAF3BF-E862-410E-B0B5-5B19A1FB5F00}" destId="{B5B3B7C9-439D-4321-8018-DF69E09AF975}" srcOrd="2" destOrd="0" parTransId="{FFD0F330-F807-4D25-A2E5-1B3FB42ED8E8}" sibTransId="{13F8C153-F68F-40A0-AFED-71C6A527C6E8}"/>
-    <dgm:cxn modelId="{8BFA0116-759F-4260-82A6-5F6BAB768C6D}" type="presOf" srcId="{98CA182E-39E6-45D1-864A-B8288DAC4D02}" destId="{3BCF73B5-B759-4593-9002-E1A627FFB200}" srcOrd="0" destOrd="0" presId="urn:microsoft.com/office/officeart/2008/layout/HorizontalMultiLevelHierarchy"/>
-    <dgm:cxn modelId="{E62BBEFD-E352-4F97-A5D9-8A122CEC84DE}" type="presOf" srcId="{A3DF9C42-07A4-4225-AF0E-61037EB7FEE9}" destId="{3E0ADFEB-1595-4BBA-B06E-12DA0DD2D73B}" srcOrd="0" destOrd="0" presId="urn:microsoft.com/office/officeart/2008/layout/HorizontalMultiLevelHierarchy"/>
+    <dgm:cxn modelId="{5F664E34-964D-4C0B-ADA6-812582C0987B}" type="presOf" srcId="{A3DF9C42-07A4-4225-AF0E-61037EB7FEE9}" destId="{BD67095A-D0A8-47BB-B38E-5D764DAED74F}" srcOrd="1" destOrd="0" presId="urn:microsoft.com/office/officeart/2008/layout/HorizontalMultiLevelHierarchy"/>
     <dgm:cxn modelId="{708B62D3-BA5C-4605-8EEE-338A3D62FDD3}" type="presOf" srcId="{DA1D7123-9E5B-42F9-B690-99039013ABBE}" destId="{E6C29CE8-9CD3-4B83-A239-1A27FF9F9668}" srcOrd="1" destOrd="0" presId="urn:microsoft.com/office/officeart/2008/layout/HorizontalMultiLevelHierarchy"/>
-    <dgm:cxn modelId="{341EB97B-0F91-403A-AAB7-BC464A7068EB}" srcId="{706A2267-5AC4-4791-AD34-8117B2ADFA89}" destId="{FE26EEA0-9DE8-43C6-8389-425580107E2D}" srcOrd="0" destOrd="0" parTransId="{70E5FDB5-5EE9-4857-BCB9-7CF76D7F4229}" sibTransId="{0BB3DEFF-E757-4397-84E1-58137DB8E088}"/>
-    <dgm:cxn modelId="{5F664E34-964D-4C0B-ADA6-812582C0987B}" type="presOf" srcId="{A3DF9C42-07A4-4225-AF0E-61037EB7FEE9}" destId="{BD67095A-D0A8-47BB-B38E-5D764DAED74F}" srcOrd="1" destOrd="0" presId="urn:microsoft.com/office/officeart/2008/layout/HorizontalMultiLevelHierarchy"/>
-    <dgm:cxn modelId="{255FCAD0-6A27-4755-BE20-75F1790D83D1}" type="presOf" srcId="{285F58D3-5434-486E-B3EA-97573B9BBADA}" destId="{5CEDF295-D360-4BB5-94BA-7D69C692CAA2}" srcOrd="0" destOrd="0" presId="urn:microsoft.com/office/officeart/2008/layout/HorizontalMultiLevelHierarchy"/>
+    <dgm:cxn modelId="{71D1F144-0B6D-4BFD-A02D-EC2AA1A670A4}" srcId="{F4D8756A-6A16-45D7-8056-BC73BD10D842}" destId="{65AFD029-D0A9-4695-B57D-ECA70A4A145F}" srcOrd="0" destOrd="0" parTransId="{E0390A72-2F8A-4836-B4E7-BB6231BBB207}" sibTransId="{283DE5B6-B736-4C0B-8982-BF9B59DB5948}"/>
     <dgm:cxn modelId="{B9569449-86C0-4481-B0D1-922C89F5ADC1}" type="presOf" srcId="{F2714F3D-9D6F-4346-B7B0-590757014155}" destId="{14412B23-54B6-4525-9614-BA7053C23C1E}" srcOrd="0" destOrd="0" presId="urn:microsoft.com/office/officeart/2008/layout/HorizontalMultiLevelHierarchy"/>
+    <dgm:cxn modelId="{2AFC572F-ACD3-4EAA-8463-C20FA8AB30FB}" type="presOf" srcId="{0D27CECA-EBCE-42B5-A2D3-BD7D4CA73979}" destId="{ABC3B7F4-3B3C-4B21-9BDE-390024E33F76}" srcOrd="1" destOrd="0" presId="urn:microsoft.com/office/officeart/2008/layout/HorizontalMultiLevelHierarchy"/>
+    <dgm:cxn modelId="{D6DF268E-5B3D-42DC-A379-8A7028B09BF4}" type="presOf" srcId="{52017675-0851-4034-A862-4A049E2C4954}" destId="{0D3FB87E-4518-48FA-9AE8-51247295EEE1}" srcOrd="0" destOrd="0" presId="urn:microsoft.com/office/officeart/2008/layout/HorizontalMultiLevelHierarchy"/>
     <dgm:cxn modelId="{76C396DA-536F-4398-A0F6-2A5C1EA3DB10}" type="presOf" srcId="{E0390A72-2F8A-4836-B4E7-BB6231BBB207}" destId="{92CEE26F-7226-4317-8D2F-F15E63E3500E}" srcOrd="0" destOrd="0" presId="urn:microsoft.com/office/officeart/2008/layout/HorizontalMultiLevelHierarchy"/>
-    <dgm:cxn modelId="{CE16F0F1-D01B-4C31-8289-3710AEB05E34}" type="presOf" srcId="{C4D01A6D-9EC9-4EFB-B945-DAB99A6C7FA0}" destId="{9F59D631-8BC5-476D-9D78-9EBB2EAB00A2}" srcOrd="0" destOrd="0" presId="urn:microsoft.com/office/officeart/2008/layout/HorizontalMultiLevelHierarchy"/>
-    <dgm:cxn modelId="{E6188AA9-62AE-40A5-9CCA-E549911754CB}" type="presOf" srcId="{0D27CECA-EBCE-42B5-A2D3-BD7D4CA73979}" destId="{919D33BE-B665-44E9-8482-2098DF01F629}" srcOrd="0" destOrd="0" presId="urn:microsoft.com/office/officeart/2008/layout/HorizontalMultiLevelHierarchy"/>
+    <dgm:cxn modelId="{25092BB7-BD3B-476C-9E95-6D482A1DDE8A}" type="presOf" srcId="{DA1D7123-9E5B-42F9-B690-99039013ABBE}" destId="{46BBED5F-F917-4E7A-9F99-7B9F1BD1973E}" srcOrd="0" destOrd="0" presId="urn:microsoft.com/office/officeart/2008/layout/HorizontalMultiLevelHierarchy"/>
+    <dgm:cxn modelId="{28D57CE0-D314-4D59-BB41-26A864438C8D}" type="presOf" srcId="{83AC96E3-4BA5-4A96-BC87-7566147D6A08}" destId="{B9481E4C-3EB8-40DB-A710-EF6954083B82}" srcOrd="1" destOrd="0" presId="urn:microsoft.com/office/officeart/2008/layout/HorizontalMultiLevelHierarchy"/>
+    <dgm:cxn modelId="{E782385B-54AC-468D-B39F-FD37BB0D0100}" type="presOf" srcId="{F2714F3D-9D6F-4346-B7B0-590757014155}" destId="{09F01092-5DCB-4713-A26F-DE77A0181F6B}" srcOrd="1" destOrd="0" presId="urn:microsoft.com/office/officeart/2008/layout/HorizontalMultiLevelHierarchy"/>
+    <dgm:cxn modelId="{AAB2AF91-C57B-4C0C-9888-03DFA631034A}" type="presOf" srcId="{83AC96E3-4BA5-4A96-BC87-7566147D6A08}" destId="{9EE7A09C-E278-4FD4-8A88-F5D804227D6A}" srcOrd="0" destOrd="0" presId="urn:microsoft.com/office/officeart/2008/layout/HorizontalMultiLevelHierarchy"/>
+    <dgm:cxn modelId="{D88B0DFC-34EA-4042-A480-F7172DA5D54E}" srcId="{85DAF3BF-E862-410E-B0B5-5B19A1FB5F00}" destId="{405943FE-BCF5-4DDB-8E85-30CBE28A8883}" srcOrd="4" destOrd="0" parTransId="{CA5820D2-097A-4963-895B-1A2BB1C48766}" sibTransId="{90B09376-9C7D-4B5D-BFD6-698314312BFB}"/>
+    <dgm:cxn modelId="{687F1084-7BEE-4D68-8221-49AEBBBD64E4}" type="presOf" srcId="{112C04C2-3305-491A-B48D-790856F347F4}" destId="{AC3A8B3E-8581-493C-8A17-158C8B3F76CF}" srcOrd="0" destOrd="0" presId="urn:microsoft.com/office/officeart/2008/layout/HorizontalMultiLevelHierarchy"/>
+    <dgm:cxn modelId="{BD990C54-C560-45CE-A96C-2394AECEAEF8}" type="presOf" srcId="{DF4F6E66-0919-4D4A-A70C-E64C55F09BC5}" destId="{772C8766-D38D-453A-BB0B-BC6CA211E1B8}" srcOrd="1" destOrd="0" presId="urn:microsoft.com/office/officeart/2008/layout/HorizontalMultiLevelHierarchy"/>
+    <dgm:cxn modelId="{ED4702CC-86B2-4430-AFEB-CEFD8E6B3C05}" srcId="{D9DFF50C-1399-4A00-8F0C-01F2478CA2B5}" destId="{B77DF0C7-9E81-4C35-A2D6-488A55FA08A2}" srcOrd="0" destOrd="0" parTransId="{98CA182E-39E6-45D1-864A-B8288DAC4D02}" sibTransId="{7C5EEAF3-1D43-45FB-A811-5D33B3DBD605}"/>
+    <dgm:cxn modelId="{A004B63D-BBBC-4774-9949-181B88EC081B}" type="presOf" srcId="{076927B0-D266-4C63-8290-93EA9827DC97}" destId="{9FB67CE4-6426-40FF-AA3A-3FE1D5377338}" srcOrd="0" destOrd="0" presId="urn:microsoft.com/office/officeart/2008/layout/HorizontalMultiLevelHierarchy"/>
+    <dgm:cxn modelId="{B5C19747-261F-49C4-8245-F3476D0547AD}" type="presOf" srcId="{9BB1F2A4-70E7-47C8-A367-307CF32ADABF}" destId="{D6621292-44EF-4795-AC24-9D4C6D97DEF6}" srcOrd="1" destOrd="0" presId="urn:microsoft.com/office/officeart/2008/layout/HorizontalMultiLevelHierarchy"/>
+    <dgm:cxn modelId="{B31BE9E4-9531-40F3-93BC-D934206093AC}" srcId="{85DAF3BF-E862-410E-B0B5-5B19A1FB5F00}" destId="{9C5A7DC4-E473-4FC2-B811-E6682C38217F}" srcOrd="0" destOrd="0" parTransId="{ABBAEF72-1379-4E85-8EE0-52108355C538}" sibTransId="{CD6AABD0-53EA-46AC-8C36-1C76BA4E19EA}"/>
+    <dgm:cxn modelId="{C5E2FC1C-7E81-4476-839A-C5911DF5C819}" type="presOf" srcId="{9C5A7DC4-E473-4FC2-B811-E6682C38217F}" destId="{90D8C367-D52C-4F01-82B9-CF2EF4DDDDF3}" srcOrd="0" destOrd="0" presId="urn:microsoft.com/office/officeart/2008/layout/HorizontalMultiLevelHierarchy"/>
+    <dgm:cxn modelId="{E7E24D5B-CAED-42AF-98B8-E63AFFBCD631}" type="presOf" srcId="{C4D01A6D-9EC9-4EFB-B945-DAB99A6C7FA0}" destId="{022B6BE1-75BE-41F6-B7B0-0B875F9D33DB}" srcOrd="1" destOrd="0" presId="urn:microsoft.com/office/officeart/2008/layout/HorizontalMultiLevelHierarchy"/>
     <dgm:cxn modelId="{40C0B0E6-7B52-4D3E-9FA2-7132A7F9A099}" type="presOf" srcId="{F4D8756A-6A16-45D7-8056-BC73BD10D842}" destId="{A8D3984A-B417-4162-90CA-5C5C55D7C17F}" srcOrd="0" destOrd="0" presId="urn:microsoft.com/office/officeart/2008/layout/HorizontalMultiLevelHierarchy"/>
-    <dgm:cxn modelId="{531BBEC6-C5AF-491E-B479-03DE5318AF19}" type="presOf" srcId="{65AFD029-D0A9-4695-B57D-ECA70A4A145F}" destId="{C646AFEB-2A7E-444E-93B4-A5439435C274}" srcOrd="0" destOrd="0" presId="urn:microsoft.com/office/officeart/2008/layout/HorizontalMultiLevelHierarchy"/>
-    <dgm:cxn modelId="{2264BDE7-3FE8-4389-A24D-15D65872F4EB}" type="presOf" srcId="{405943FE-BCF5-4DDB-8E85-30CBE28A8883}" destId="{71CBC683-6EC0-4865-9227-15F1C69D68C2}" srcOrd="0" destOrd="0" presId="urn:microsoft.com/office/officeart/2008/layout/HorizontalMultiLevelHierarchy"/>
-    <dgm:cxn modelId="{6780AB6A-45D0-4BC0-91F0-E714E54A93AE}" type="presOf" srcId="{D9DFF50C-1399-4A00-8F0C-01F2478CA2B5}" destId="{F415BDFA-4CA3-4B98-ABC6-BE4E72C39D9E}" srcOrd="0" destOrd="0" presId="urn:microsoft.com/office/officeart/2008/layout/HorizontalMultiLevelHierarchy"/>
-    <dgm:cxn modelId="{6F42576E-BFAB-4A3A-A008-E3898272DF58}" srcId="{52017675-0851-4034-A862-4A049E2C4954}" destId="{076927B0-D266-4C63-8290-93EA9827DC97}" srcOrd="0" destOrd="0" parTransId="{68DE5194-31EA-4685-9571-CFE1232EBF29}" sibTransId="{629132B3-46E4-49B1-B4F5-D254B0CFA8BC}"/>
-    <dgm:cxn modelId="{28D57CE0-D314-4D59-BB41-26A864438C8D}" type="presOf" srcId="{83AC96E3-4BA5-4A96-BC87-7566147D6A08}" destId="{B9481E4C-3EB8-40DB-A710-EF6954083B82}" srcOrd="1" destOrd="0" presId="urn:microsoft.com/office/officeart/2008/layout/HorizontalMultiLevelHierarchy"/>
+    <dgm:cxn modelId="{F9F74396-B331-44F8-9749-DD896E8C8796}" srcId="{85DAF3BF-E862-410E-B0B5-5B19A1FB5F00}" destId="{52017675-0851-4034-A862-4A049E2C4954}" srcOrd="3" destOrd="0" parTransId="{9BB1F2A4-70E7-47C8-A367-307CF32ADABF}" sibTransId="{4BD2DD86-DB9A-4A37-A343-246F973B6F39}"/>
+    <dgm:cxn modelId="{C5D339DB-C54F-42D3-AF7B-9E8F421ECFE0}" srcId="{B77DF0C7-9E81-4C35-A2D6-488A55FA08A2}" destId="{D168AD20-9BCA-4BDC-9703-38A7D1E7C409}" srcOrd="0" destOrd="0" parTransId="{0D27CECA-EBCE-42B5-A2D3-BD7D4CA73979}" sibTransId="{DB9068ED-8ED5-44FE-8B8F-4A857A1BC57D}"/>
     <dgm:cxn modelId="{D3C93889-C009-4FAC-8431-E585F3A99A05}" type="presOf" srcId="{ABBAEF72-1379-4E85-8EE0-52108355C538}" destId="{EEE893F3-EC38-4F88-AD34-BCE279D8A655}" srcOrd="1" destOrd="0" presId="urn:microsoft.com/office/officeart/2008/layout/HorizontalMultiLevelHierarchy"/>
-    <dgm:cxn modelId="{B31BE9E4-9531-40F3-93BC-D934206093AC}" srcId="{85DAF3BF-E862-410E-B0B5-5B19A1FB5F00}" destId="{9C5A7DC4-E473-4FC2-B811-E6682C38217F}" srcOrd="0" destOrd="0" parTransId="{ABBAEF72-1379-4E85-8EE0-52108355C538}" sibTransId="{CD6AABD0-53EA-46AC-8C36-1C76BA4E19EA}"/>
-    <dgm:cxn modelId="{7E8F7E68-106B-4904-90FA-91440A5906DF}" type="presOf" srcId="{706A2267-5AC4-4791-AD34-8117B2ADFA89}" destId="{1960D41F-952A-4D9C-8409-5280018EF420}" srcOrd="0" destOrd="0" presId="urn:microsoft.com/office/officeart/2008/layout/HorizontalMultiLevelHierarchy"/>
-    <dgm:cxn modelId="{45E96D26-8802-4F08-BB18-8411ECC8A9CC}" type="presOf" srcId="{A139D5A8-C2C4-4F7E-87D3-562F86AB453C}" destId="{CE60EB9C-BF2D-4F80-B4F2-D150C921583A}" srcOrd="0" destOrd="0" presId="urn:microsoft.com/office/officeart/2008/layout/HorizontalMultiLevelHierarchy"/>
-    <dgm:cxn modelId="{E7E24D5B-CAED-42AF-98B8-E63AFFBCD631}" type="presOf" srcId="{C4D01A6D-9EC9-4EFB-B945-DAB99A6C7FA0}" destId="{022B6BE1-75BE-41F6-B7B0-0B875F9D33DB}" srcOrd="1" destOrd="0" presId="urn:microsoft.com/office/officeart/2008/layout/HorizontalMultiLevelHierarchy"/>
-    <dgm:cxn modelId="{CC8A8B18-6978-4005-A404-5E9587B1CB46}" srcId="{85DAF3BF-E862-410E-B0B5-5B19A1FB5F00}" destId="{706A2267-5AC4-4791-AD34-8117B2ADFA89}" srcOrd="1" destOrd="0" parTransId="{DA1D7123-9E5B-42F9-B690-99039013ABBE}" sibTransId="{954E76BD-B0BC-4890-B3D1-36A227443DD6}"/>
-    <dgm:cxn modelId="{AAB2AF91-C57B-4C0C-9888-03DFA631034A}" type="presOf" srcId="{83AC96E3-4BA5-4A96-BC87-7566147D6A08}" destId="{9EE7A09C-E278-4FD4-8A88-F5D804227D6A}" srcOrd="0" destOrd="0" presId="urn:microsoft.com/office/officeart/2008/layout/HorizontalMultiLevelHierarchy"/>
-    <dgm:cxn modelId="{8DA8BE9B-0149-4EBF-B33F-D6358360F9F6}" srcId="{2BE1ABC9-FD22-491C-974A-029A4B5F7AB1}" destId="{362ED6CC-6D26-40DD-BB7C-516DDF2EB147}" srcOrd="0" destOrd="0" parTransId="{DF4F6E66-0919-4D4A-A70C-E64C55F09BC5}" sibTransId="{CE09B09A-FB85-417A-8062-673DF0299126}"/>
-    <dgm:cxn modelId="{92717FBE-FD08-444B-ACC4-DF405EDA8A8B}" srcId="{B5B3B7C9-439D-4321-8018-DF69E09AF975}" destId="{59293F7B-4221-41E3-8DF7-4E9DC57E2A6E}" srcOrd="0" destOrd="0" parTransId="{F2714F3D-9D6F-4346-B7B0-590757014155}" sibTransId="{6C5FC0D6-D4E8-4219-A06B-D657F48C65ED}"/>
-    <dgm:cxn modelId="{F9F74396-B331-44F8-9749-DD896E8C8796}" srcId="{85DAF3BF-E862-410E-B0B5-5B19A1FB5F00}" destId="{52017675-0851-4034-A862-4A049E2C4954}" srcOrd="3" destOrd="0" parTransId="{9BB1F2A4-70E7-47C8-A367-307CF32ADABF}" sibTransId="{4BD2DD86-DB9A-4A37-A343-246F973B6F39}"/>
-    <dgm:cxn modelId="{B5C19747-261F-49C4-8245-F3476D0547AD}" type="presOf" srcId="{9BB1F2A4-70E7-47C8-A367-307CF32ADABF}" destId="{D6621292-44EF-4795-AC24-9D4C6D97DEF6}" srcOrd="1" destOrd="0" presId="urn:microsoft.com/office/officeart/2008/layout/HorizontalMultiLevelHierarchy"/>
-    <dgm:cxn modelId="{E782385B-54AC-468D-B39F-FD37BB0D0100}" type="presOf" srcId="{F2714F3D-9D6F-4346-B7B0-590757014155}" destId="{09F01092-5DCB-4713-A26F-DE77A0181F6B}" srcOrd="1" destOrd="0" presId="urn:microsoft.com/office/officeart/2008/layout/HorizontalMultiLevelHierarchy"/>
-    <dgm:cxn modelId="{B9BFA1E0-A6A9-4FF9-91B6-E522D498D7D1}" type="presOf" srcId="{70E5FDB5-5EE9-4857-BCB9-7CF76D7F4229}" destId="{1CDE153D-2CEE-48EB-A611-156C21D59072}" srcOrd="0" destOrd="0" presId="urn:microsoft.com/office/officeart/2008/layout/HorizontalMultiLevelHierarchy"/>
-    <dgm:cxn modelId="{4281EAFA-C291-474E-8FA6-16F751B67FD9}" type="presOf" srcId="{502AD7A1-73EC-4044-8E16-2BA10C7D66EC}" destId="{E63E6CE6-FDFF-4768-848D-9E0AFD512BDD}" srcOrd="1" destOrd="0" presId="urn:microsoft.com/office/officeart/2008/layout/HorizontalMultiLevelHierarchy"/>
+    <dgm:cxn modelId="{31A2A18F-54E2-4258-8E89-02888CB8BE2D}" type="presOf" srcId="{59293F7B-4221-41E3-8DF7-4E9DC57E2A6E}" destId="{9529DD9B-FFC7-4E62-9557-95E0C99A0BF6}" srcOrd="0" destOrd="0" presId="urn:microsoft.com/office/officeart/2008/layout/HorizontalMultiLevelHierarchy"/>
     <dgm:cxn modelId="{F1F7984B-DB16-4D26-8F66-E34ABCD41BB0}" srcId="{112C04C2-3305-491A-B48D-790856F347F4}" destId="{85DAF3BF-E862-410E-B0B5-5B19A1FB5F00}" srcOrd="0" destOrd="0" parTransId="{D2B1E6D2-2B4C-48BB-905F-7A0F93D32F8B}" sibTransId="{A62878DC-9C7E-411A-82DA-C25941403137}"/>
-    <dgm:cxn modelId="{1C08B216-422A-4D84-B007-4B38F38DF530}" type="presOf" srcId="{CA5820D2-097A-4963-895B-1A2BB1C48766}" destId="{BA44D73C-7326-444D-85AC-A2A443DB661F}" srcOrd="1" destOrd="0" presId="urn:microsoft.com/office/officeart/2008/layout/HorizontalMultiLevelHierarchy"/>
-    <dgm:cxn modelId="{25092BB7-BD3B-476C-9E95-6D482A1DDE8A}" type="presOf" srcId="{DA1D7123-9E5B-42F9-B690-99039013ABBE}" destId="{46BBED5F-F917-4E7A-9F99-7B9F1BD1973E}" srcOrd="0" destOrd="0" presId="urn:microsoft.com/office/officeart/2008/layout/HorizontalMultiLevelHierarchy"/>
-    <dgm:cxn modelId="{D88B0DFC-34EA-4042-A480-F7172DA5D54E}" srcId="{85DAF3BF-E862-410E-B0B5-5B19A1FB5F00}" destId="{405943FE-BCF5-4DDB-8E85-30CBE28A8883}" srcOrd="4" destOrd="0" parTransId="{CA5820D2-097A-4963-895B-1A2BB1C48766}" sibTransId="{90B09376-9C7D-4B5D-BFD6-698314312BFB}"/>
-    <dgm:cxn modelId="{1EA9C767-DD59-4FB6-A26C-0769D56BE033}" type="presOf" srcId="{E0390A72-2F8A-4836-B4E7-BB6231BBB207}" destId="{2985F125-1914-4277-919C-D7FF631A809B}" srcOrd="1" destOrd="0" presId="urn:microsoft.com/office/officeart/2008/layout/HorizontalMultiLevelHierarchy"/>
-    <dgm:cxn modelId="{C50DEEE9-7F0F-404B-A348-831B93BFCD08}" type="presOf" srcId="{DF4F6E66-0919-4D4A-A70C-E64C55F09BC5}" destId="{6975FAE1-A0B9-4EE7-900F-407E833AFDDD}" srcOrd="0" destOrd="0" presId="urn:microsoft.com/office/officeart/2008/layout/HorizontalMultiLevelHierarchy"/>
     <dgm:cxn modelId="{0FB49FD7-26C6-4753-ABAD-61C6B58106EB}" type="presOf" srcId="{FDD0CC1B-9115-4C75-A35C-3A4E241F59BA}" destId="{0C755676-9F10-4C4A-9E0B-FA3837E3F7F7}" srcOrd="0" destOrd="0" presId="urn:microsoft.com/office/officeart/2008/layout/HorizontalMultiLevelHierarchy"/>
-    <dgm:cxn modelId="{DC0393BF-29DB-4D09-AC8F-8211386ED367}" type="presOf" srcId="{A139D5A8-C2C4-4F7E-87D3-562F86AB453C}" destId="{93CE2AD5-F225-4A15-89F1-54BE500E65AE}" srcOrd="1" destOrd="0" presId="urn:microsoft.com/office/officeart/2008/layout/HorizontalMultiLevelHierarchy"/>
-    <dgm:cxn modelId="{0EC1E008-14CD-4C17-A5AE-5C7CEDEC647B}" type="presOf" srcId="{98CA182E-39E6-45D1-864A-B8288DAC4D02}" destId="{A2BDDB94-6389-4CA7-9775-67D51266B03B}" srcOrd="1" destOrd="0" presId="urn:microsoft.com/office/officeart/2008/layout/HorizontalMultiLevelHierarchy"/>
-    <dgm:cxn modelId="{FEFAFA36-CD48-4130-AE94-68FB6CB8ED75}" type="presOf" srcId="{CA5820D2-097A-4963-895B-1A2BB1C48766}" destId="{34631F3B-4B7E-4861-BFE7-DAFAC3B32C55}" srcOrd="0" destOrd="0" presId="urn:microsoft.com/office/officeart/2008/layout/HorizontalMultiLevelHierarchy"/>
-    <dgm:cxn modelId="{B4AD0851-8478-4831-954B-F40FAA96F92B}" type="presOf" srcId="{FFD0F330-F807-4D25-A2E5-1B3FB42ED8E8}" destId="{A421D186-CFAE-495C-91EF-B1E19CCD14AB}" srcOrd="0" destOrd="0" presId="urn:microsoft.com/office/officeart/2008/layout/HorizontalMultiLevelHierarchy"/>
-    <dgm:cxn modelId="{71D1F144-0B6D-4BFD-A02D-EC2AA1A670A4}" srcId="{F4D8756A-6A16-45D7-8056-BC73BD10D842}" destId="{65AFD029-D0A9-4695-B57D-ECA70A4A145F}" srcOrd="0" destOrd="0" parTransId="{E0390A72-2F8A-4836-B4E7-BB6231BBB207}" sibTransId="{283DE5B6-B736-4C0B-8982-BF9B59DB5948}"/>
-    <dgm:cxn modelId="{6D97E790-8A4F-4667-868B-F64BC64D3324}" srcId="{9C5A7DC4-E473-4FC2-B811-E6682C38217F}" destId="{285F58D3-5434-486E-B3EA-97573B9BBADA}" srcOrd="0" destOrd="0" parTransId="{A3DF9C42-07A4-4225-AF0E-61037EB7FEE9}" sibTransId="{C14E713C-5674-44BD-A3F0-ABFDEC18D5AA}"/>
-    <dgm:cxn modelId="{C5D339DB-C54F-42D3-AF7B-9E8F421ECFE0}" srcId="{B77DF0C7-9E81-4C35-A2D6-488A55FA08A2}" destId="{D168AD20-9BCA-4BDC-9703-38A7D1E7C409}" srcOrd="0" destOrd="0" parTransId="{0D27CECA-EBCE-42B5-A2D3-BD7D4CA73979}" sibTransId="{DB9068ED-8ED5-44FE-8B8F-4A857A1BC57D}"/>
-    <dgm:cxn modelId="{C9B68689-DD64-4675-ABFB-F2E684EC5A7D}" type="presOf" srcId="{362ED6CC-6D26-40DD-BB7C-516DDF2EB147}" destId="{38C6F073-27F0-4E03-AE50-3479969917E2}" srcOrd="0" destOrd="0" presId="urn:microsoft.com/office/officeart/2008/layout/HorizontalMultiLevelHierarchy"/>
-    <dgm:cxn modelId="{B04AFA98-29D8-40BA-BBB7-68C96E000D14}" srcId="{362ED6CC-6D26-40DD-BB7C-516DDF2EB147}" destId="{F4D8756A-6A16-45D7-8056-BC73BD10D842}" srcOrd="0" destOrd="0" parTransId="{C4D01A6D-9EC9-4EFB-B945-DAB99A6C7FA0}" sibTransId="{7C3C5246-5EB3-4234-8F6D-EE9D3539F03B}"/>
-    <dgm:cxn modelId="{D6DF268E-5B3D-42DC-A379-8A7028B09BF4}" type="presOf" srcId="{52017675-0851-4034-A862-4A049E2C4954}" destId="{0D3FB87E-4518-48FA-9AE8-51247295EEE1}" srcOrd="0" destOrd="0" presId="urn:microsoft.com/office/officeart/2008/layout/HorizontalMultiLevelHierarchy"/>
-    <dgm:cxn modelId="{C9C912E5-1819-44A7-BB31-89F4B9FC071F}" type="presOf" srcId="{68DE5194-31EA-4685-9571-CFE1232EBF29}" destId="{57D917F9-6C0D-4BA3-AA23-5A217E3B245E}" srcOrd="0" destOrd="0" presId="urn:microsoft.com/office/officeart/2008/layout/HorizontalMultiLevelHierarchy"/>
-    <dgm:cxn modelId="{D4BFF051-586B-4B9F-B2E4-37EFE16697E5}" type="presOf" srcId="{B77DF0C7-9E81-4C35-A2D6-488A55FA08A2}" destId="{34D76AFE-7E0D-4C14-B3AF-FA2E51B9A95E}" srcOrd="0" destOrd="0" presId="urn:microsoft.com/office/officeart/2008/layout/HorizontalMultiLevelHierarchy"/>
-    <dgm:cxn modelId="{C20F707A-C407-4B2D-B2BF-0AE2A4B3A64E}" srcId="{85DAF3BF-E862-410E-B0B5-5B19A1FB5F00}" destId="{2BE1ABC9-FD22-491C-974A-029A4B5F7AB1}" srcOrd="5" destOrd="0" parTransId="{502AD7A1-73EC-4044-8E16-2BA10C7D66EC}" sibTransId="{75CF5203-B664-4A33-8814-015977748B14}"/>
     <dgm:cxn modelId="{925F1CE6-2DE6-4DE4-8EDC-183D02BE23A1}" type="presParOf" srcId="{AC3A8B3E-8581-493C-8A17-158C8B3F76CF}" destId="{76934496-5516-4435-BC2E-8972A6FD002B}" srcOrd="0" destOrd="0" presId="urn:microsoft.com/office/officeart/2008/layout/HorizontalMultiLevelHierarchy"/>
     <dgm:cxn modelId="{FCA5844A-E254-47B2-9839-C3863C26FADD}" type="presParOf" srcId="{76934496-5516-4435-BC2E-8972A6FD002B}" destId="{292FF108-2796-42D8-A930-A7077F2FC822}" srcOrd="0" destOrd="0" presId="urn:microsoft.com/office/officeart/2008/layout/HorizontalMultiLevelHierarchy"/>
     <dgm:cxn modelId="{0B0E923A-BA28-48C9-8151-A198A1356A59}" type="presParOf" srcId="{76934496-5516-4435-BC2E-8972A6FD002B}" destId="{93E710D0-7A47-42A8-B199-2C8E8FB5C9AF}" srcOrd="1" destOrd="0" presId="urn:microsoft.com/office/officeart/2008/layout/HorizontalMultiLevelHierarchy"/>
@@ -6639,7 +6941,7 @@
           <a:p>
             <a:fld id="{6CD5550B-26C4-49A9-A5BA-636EF7BE6CE9}" type="datetimeFigureOut">
               <a:rPr lang="ko-KR" altLang="en-US" smtClean="0"/>
-              <a:t>2017-06-22</a:t>
+              <a:t>2017-06-25</a:t>
             </a:fld>
             <a:endParaRPr lang="ko-KR" altLang="en-US"/>
           </a:p>
@@ -6981,7 +7283,7 @@
     </p:spTree>
     <p:extLst>
       <p:ext uri="{BB962C8B-B14F-4D97-AF65-F5344CB8AC3E}">
-        <p14:creationId xmlns:p14="http://schemas.microsoft.com/office/powerpoint/2010/main" val="2887953239"/>
+        <p14:creationId xmlns:p14="http://schemas.microsoft.com/office/powerpoint/2010/main" val="687484902"/>
       </p:ext>
     </p:extLst>
   </p:cSld>
@@ -7057,6 +7359,90 @@
             <a:fld id="{BA5DFA43-8D57-47FB-BC46-057616015C3B}" type="slidenum">
               <a:rPr lang="ko-KR" altLang="en-US" smtClean="0"/>
               <a:t>2</a:t>
+            </a:fld>
+            <a:endParaRPr lang="ko-KR" altLang="en-US"/>
+          </a:p>
+        </p:txBody>
+      </p:sp>
+    </p:spTree>
+    <p:extLst>
+      <p:ext uri="{BB962C8B-B14F-4D97-AF65-F5344CB8AC3E}">
+        <p14:creationId xmlns:p14="http://schemas.microsoft.com/office/powerpoint/2010/main" val="2887953239"/>
+      </p:ext>
+    </p:extLst>
+  </p:cSld>
+  <p:clrMapOvr>
+    <a:masterClrMapping/>
+  </p:clrMapOvr>
+</p:notes>
+</file>
+
+<file path=ppt/notesSlides/notesSlide3.xml><?xml version="1.0" encoding="utf-8"?>
+<p:notes xmlns:a="http://schemas.openxmlformats.org/drawingml/2006/main" xmlns:r="http://schemas.openxmlformats.org/officeDocument/2006/relationships" xmlns:p="http://schemas.openxmlformats.org/presentationml/2006/main">
+  <p:cSld>
+    <p:spTree>
+      <p:nvGrpSpPr>
+        <p:cNvPr id="1" name=""/>
+        <p:cNvGrpSpPr/>
+        <p:nvPr/>
+      </p:nvGrpSpPr>
+      <p:grpSpPr>
+        <a:xfrm>
+          <a:off x="0" y="0"/>
+          <a:ext cx="0" cy="0"/>
+          <a:chOff x="0" y="0"/>
+          <a:chExt cx="0" cy="0"/>
+        </a:xfrm>
+      </p:grpSpPr>
+      <p:sp>
+        <p:nvSpPr>
+          <p:cNvPr id="2" name="슬라이드 이미지 개체 틀 1"/>
+          <p:cNvSpPr>
+            <a:spLocks noGrp="1" noRot="1" noChangeAspect="1"/>
+          </p:cNvSpPr>
+          <p:nvPr>
+            <p:ph type="sldImg"/>
+          </p:nvPr>
+        </p:nvSpPr>
+        <p:spPr/>
+      </p:sp>
+      <p:sp>
+        <p:nvSpPr>
+          <p:cNvPr id="3" name="슬라이드 노트 개체 틀 2"/>
+          <p:cNvSpPr>
+            <a:spLocks noGrp="1"/>
+          </p:cNvSpPr>
+          <p:nvPr>
+            <p:ph type="body" idx="1"/>
+          </p:nvPr>
+        </p:nvSpPr>
+        <p:spPr/>
+        <p:txBody>
+          <a:bodyPr/>
+          <a:lstStyle/>
+          <a:p>
+            <a:endParaRPr lang="ko-KR" altLang="en-US" dirty="0"/>
+          </a:p>
+        </p:txBody>
+      </p:sp>
+      <p:sp>
+        <p:nvSpPr>
+          <p:cNvPr id="4" name="슬라이드 번호 개체 틀 3"/>
+          <p:cNvSpPr>
+            <a:spLocks noGrp="1"/>
+          </p:cNvSpPr>
+          <p:nvPr>
+            <p:ph type="sldNum" sz="quarter" idx="10"/>
+          </p:nvPr>
+        </p:nvSpPr>
+        <p:spPr/>
+        <p:txBody>
+          <a:bodyPr/>
+          <a:lstStyle/>
+          <a:p>
+            <a:fld id="{BA5DFA43-8D57-47FB-BC46-057616015C3B}" type="slidenum">
+              <a:rPr lang="ko-KR" altLang="en-US" smtClean="0"/>
+              <a:t>3</a:t>
             </a:fld>
             <a:endParaRPr lang="ko-KR" altLang="en-US"/>
           </a:p>
@@ -7256,7 +7642,7 @@
           <a:p>
             <a:fld id="{FB30EDBD-1C2D-4C1E-B459-B60219FAB484}" type="datetimeFigureOut">
               <a:rPr lang="ko-KR" altLang="en-US" smtClean="0"/>
-              <a:t>2017-06-22</a:t>
+              <a:t>2017-06-25</a:t>
             </a:fld>
             <a:endParaRPr lang="ko-KR" altLang="en-US"/>
           </a:p>
@@ -7421,7 +7807,7 @@
           <a:p>
             <a:fld id="{FB30EDBD-1C2D-4C1E-B459-B60219FAB484}" type="datetimeFigureOut">
               <a:rPr lang="ko-KR" altLang="en-US" smtClean="0"/>
-              <a:t>2017-06-22</a:t>
+              <a:t>2017-06-25</a:t>
             </a:fld>
             <a:endParaRPr lang="ko-KR" altLang="en-US"/>
           </a:p>
@@ -7596,7 +7982,7 @@
           <a:p>
             <a:fld id="{FB30EDBD-1C2D-4C1E-B459-B60219FAB484}" type="datetimeFigureOut">
               <a:rPr lang="ko-KR" altLang="en-US" smtClean="0"/>
-              <a:t>2017-06-22</a:t>
+              <a:t>2017-06-25</a:t>
             </a:fld>
             <a:endParaRPr lang="ko-KR" altLang="en-US"/>
           </a:p>
@@ -7761,7 +8147,7 @@
           <a:p>
             <a:fld id="{FB30EDBD-1C2D-4C1E-B459-B60219FAB484}" type="datetimeFigureOut">
               <a:rPr lang="ko-KR" altLang="en-US" smtClean="0"/>
-              <a:t>2017-06-22</a:t>
+              <a:t>2017-06-25</a:t>
             </a:fld>
             <a:endParaRPr lang="ko-KR" altLang="en-US"/>
           </a:p>
@@ -8009,7 +8395,7 @@
           <a:p>
             <a:fld id="{FB30EDBD-1C2D-4C1E-B459-B60219FAB484}" type="datetimeFigureOut">
               <a:rPr lang="ko-KR" altLang="en-US" smtClean="0"/>
-              <a:t>2017-06-22</a:t>
+              <a:t>2017-06-25</a:t>
             </a:fld>
             <a:endParaRPr lang="ko-KR" altLang="en-US"/>
           </a:p>
@@ -8292,7 +8678,7 @@
           <a:p>
             <a:fld id="{FB30EDBD-1C2D-4C1E-B459-B60219FAB484}" type="datetimeFigureOut">
               <a:rPr lang="ko-KR" altLang="en-US" smtClean="0"/>
-              <a:t>2017-06-22</a:t>
+              <a:t>2017-06-25</a:t>
             </a:fld>
             <a:endParaRPr lang="ko-KR" altLang="en-US"/>
           </a:p>
@@ -8709,7 +9095,7 @@
           <a:p>
             <a:fld id="{FB30EDBD-1C2D-4C1E-B459-B60219FAB484}" type="datetimeFigureOut">
               <a:rPr lang="ko-KR" altLang="en-US" smtClean="0"/>
-              <a:t>2017-06-22</a:t>
+              <a:t>2017-06-25</a:t>
             </a:fld>
             <a:endParaRPr lang="ko-KR" altLang="en-US"/>
           </a:p>
@@ -8822,7 +9208,7 @@
           <a:p>
             <a:fld id="{FB30EDBD-1C2D-4C1E-B459-B60219FAB484}" type="datetimeFigureOut">
               <a:rPr lang="ko-KR" altLang="en-US" smtClean="0"/>
-              <a:t>2017-06-22</a:t>
+              <a:t>2017-06-25</a:t>
             </a:fld>
             <a:endParaRPr lang="ko-KR" altLang="en-US"/>
           </a:p>
@@ -8912,7 +9298,7 @@
           <a:p>
             <a:fld id="{FB30EDBD-1C2D-4C1E-B459-B60219FAB484}" type="datetimeFigureOut">
               <a:rPr lang="ko-KR" altLang="en-US" smtClean="0"/>
-              <a:t>2017-06-22</a:t>
+              <a:t>2017-06-25</a:t>
             </a:fld>
             <a:endParaRPr lang="ko-KR" altLang="en-US"/>
           </a:p>
@@ -9184,7 +9570,7 @@
           <a:p>
             <a:fld id="{FB30EDBD-1C2D-4C1E-B459-B60219FAB484}" type="datetimeFigureOut">
               <a:rPr lang="ko-KR" altLang="en-US" smtClean="0"/>
-              <a:t>2017-06-22</a:t>
+              <a:t>2017-06-25</a:t>
             </a:fld>
             <a:endParaRPr lang="ko-KR" altLang="en-US"/>
           </a:p>
@@ -9432,7 +9818,7 @@
           <a:p>
             <a:fld id="{FB30EDBD-1C2D-4C1E-B459-B60219FAB484}" type="datetimeFigureOut">
               <a:rPr lang="ko-KR" altLang="en-US" smtClean="0"/>
-              <a:t>2017-06-22</a:t>
+              <a:t>2017-06-25</a:t>
             </a:fld>
             <a:endParaRPr lang="ko-KR" altLang="en-US"/>
           </a:p>
@@ -9640,7 +10026,7 @@
           <a:p>
             <a:fld id="{FB30EDBD-1C2D-4C1E-B459-B60219FAB484}" type="datetimeFigureOut">
               <a:rPr lang="ko-KR" altLang="en-US" smtClean="0"/>
-              <a:t>2017-06-22</a:t>
+              <a:t>2017-06-25</a:t>
             </a:fld>
             <a:endParaRPr lang="ko-KR" altLang="en-US"/>
           </a:p>
@@ -10033,6 +10419,576 @@
           <a:lstStyle/>
           <a:p>
             <a:r>
+              <a:rPr lang="en-US" altLang="ko-KR" smtClean="0"/>
+              <a:t>LSM Linux </a:t>
+            </a:r>
+            <a:r>
+              <a:rPr lang="en-US" altLang="ko-KR" smtClean="0"/>
+              <a:t>System </a:t>
+            </a:r>
+            <a:r>
+              <a:rPr lang="en-US" altLang="ko-KR" smtClean="0"/>
+              <a:t>Call</a:t>
+            </a:r>
+            <a:endParaRPr lang="ko-KR" altLang="en-US" dirty="0"/>
+          </a:p>
+        </p:txBody>
+      </p:sp>
+      <p:sp>
+        <p:nvSpPr>
+          <p:cNvPr id="17" name="모서리가 둥근 직사각형 16"/>
+          <p:cNvSpPr/>
+          <p:nvPr/>
+        </p:nvSpPr>
+        <p:spPr>
+          <a:xfrm>
+            <a:off x="323528" y="2190806"/>
+            <a:ext cx="2376264" cy="668976"/>
+          </a:xfrm>
+          <a:prstGeom prst="roundRect">
+            <a:avLst>
+              <a:gd name="adj" fmla="val 17318"/>
+            </a:avLst>
+          </a:prstGeom>
+          <a:noFill/>
+        </p:spPr>
+        <p:style>
+          <a:lnRef idx="2">
+            <a:schemeClr val="dk1"/>
+          </a:lnRef>
+          <a:fillRef idx="1">
+            <a:schemeClr val="lt1"/>
+          </a:fillRef>
+          <a:effectRef idx="0">
+            <a:schemeClr val="dk1"/>
+          </a:effectRef>
+          <a:fontRef idx="minor">
+            <a:schemeClr val="dk1"/>
+          </a:fontRef>
+        </p:style>
+        <p:txBody>
+          <a:bodyPr rtlCol="0" anchor="ctr"/>
+          <a:lstStyle/>
+          <a:p>
+            <a:pPr algn="ctr"/>
+            <a:r>
+              <a:rPr lang="en-US" altLang="ko-KR" dirty="0" smtClean="0"/>
+              <a:t>Interrupt Vector Table</a:t>
+            </a:r>
+            <a:endParaRPr lang="ko-KR" altLang="en-US" dirty="0"/>
+          </a:p>
+        </p:txBody>
+      </p:sp>
+      <p:sp>
+        <p:nvSpPr>
+          <p:cNvPr id="18" name="모서리가 둥근 직사각형 17"/>
+          <p:cNvSpPr/>
+          <p:nvPr/>
+        </p:nvSpPr>
+        <p:spPr>
+          <a:xfrm>
+            <a:off x="3419872" y="2190806"/>
+            <a:ext cx="2376264" cy="668976"/>
+          </a:xfrm>
+          <a:prstGeom prst="roundRect">
+            <a:avLst>
+              <a:gd name="adj" fmla="val 17318"/>
+            </a:avLst>
+          </a:prstGeom>
+          <a:noFill/>
+        </p:spPr>
+        <p:style>
+          <a:lnRef idx="2">
+            <a:schemeClr val="dk1"/>
+          </a:lnRef>
+          <a:fillRef idx="1">
+            <a:schemeClr val="lt1"/>
+          </a:fillRef>
+          <a:effectRef idx="0">
+            <a:schemeClr val="dk1"/>
+          </a:effectRef>
+          <a:fontRef idx="minor">
+            <a:schemeClr val="dk1"/>
+          </a:fontRef>
+        </p:style>
+        <p:txBody>
+          <a:bodyPr rtlCol="0" anchor="ctr"/>
+          <a:lstStyle/>
+          <a:p>
+            <a:pPr algn="ctr"/>
+            <a:r>
+              <a:rPr lang="en-US" altLang="ko-KR" dirty="0" smtClean="0"/>
+              <a:t>Software Interrupt Handler</a:t>
+            </a:r>
+            <a:endParaRPr lang="ko-KR" altLang="en-US" dirty="0"/>
+          </a:p>
+        </p:txBody>
+      </p:sp>
+      <p:sp>
+        <p:nvSpPr>
+          <p:cNvPr id="20" name="모서리가 둥근 직사각형 19"/>
+          <p:cNvSpPr/>
+          <p:nvPr/>
+        </p:nvSpPr>
+        <p:spPr>
+          <a:xfrm>
+            <a:off x="6516216" y="2190806"/>
+            <a:ext cx="2376264" cy="668976"/>
+          </a:xfrm>
+          <a:prstGeom prst="roundRect">
+            <a:avLst>
+              <a:gd name="adj" fmla="val 17318"/>
+            </a:avLst>
+          </a:prstGeom>
+          <a:noFill/>
+        </p:spPr>
+        <p:style>
+          <a:lnRef idx="2">
+            <a:schemeClr val="dk1"/>
+          </a:lnRef>
+          <a:fillRef idx="1">
+            <a:schemeClr val="lt1"/>
+          </a:fillRef>
+          <a:effectRef idx="0">
+            <a:schemeClr val="dk1"/>
+          </a:effectRef>
+          <a:fontRef idx="minor">
+            <a:schemeClr val="dk1"/>
+          </a:fontRef>
+        </p:style>
+        <p:txBody>
+          <a:bodyPr rtlCol="0" anchor="ctr"/>
+          <a:lstStyle/>
+          <a:p>
+            <a:pPr algn="ctr"/>
+            <a:r>
+              <a:rPr lang="en-US" altLang="ko-KR" dirty="0" smtClean="0"/>
+              <a:t>System Call Function</a:t>
+            </a:r>
+            <a:endParaRPr lang="ko-KR" altLang="en-US" dirty="0"/>
+          </a:p>
+        </p:txBody>
+      </p:sp>
+      <p:cxnSp>
+        <p:nvCxnSpPr>
+          <p:cNvPr id="4" name="직선 화살표 연결선 3"/>
+          <p:cNvCxnSpPr>
+            <a:stCxn id="17" idx="3"/>
+            <a:endCxn id="18" idx="1"/>
+          </p:cNvCxnSpPr>
+          <p:nvPr/>
+        </p:nvCxnSpPr>
+        <p:spPr>
+          <a:xfrm>
+            <a:off x="2699792" y="2525294"/>
+            <a:ext cx="720080" cy="0"/>
+          </a:xfrm>
+          <a:prstGeom prst="straightConnector1">
+            <a:avLst/>
+          </a:prstGeom>
+          <a:ln w="28575">
+            <a:solidFill>
+              <a:schemeClr val="tx1"/>
+            </a:solidFill>
+            <a:tailEnd type="arrow"/>
+          </a:ln>
+        </p:spPr>
+        <p:style>
+          <a:lnRef idx="1">
+            <a:schemeClr val="accent1"/>
+          </a:lnRef>
+          <a:fillRef idx="0">
+            <a:schemeClr val="accent1"/>
+          </a:fillRef>
+          <a:effectRef idx="0">
+            <a:schemeClr val="accent1"/>
+          </a:effectRef>
+          <a:fontRef idx="minor">
+            <a:schemeClr val="tx1"/>
+          </a:fontRef>
+        </p:style>
+      </p:cxnSp>
+      <p:cxnSp>
+        <p:nvCxnSpPr>
+          <p:cNvPr id="21" name="직선 화살표 연결선 20"/>
+          <p:cNvCxnSpPr>
+            <a:stCxn id="18" idx="3"/>
+            <a:endCxn id="20" idx="1"/>
+          </p:cNvCxnSpPr>
+          <p:nvPr/>
+        </p:nvCxnSpPr>
+        <p:spPr>
+          <a:xfrm>
+            <a:off x="5796136" y="2525294"/>
+            <a:ext cx="720080" cy="0"/>
+          </a:xfrm>
+          <a:prstGeom prst="straightConnector1">
+            <a:avLst/>
+          </a:prstGeom>
+          <a:ln w="28575">
+            <a:solidFill>
+              <a:schemeClr val="tx1"/>
+            </a:solidFill>
+            <a:tailEnd type="arrow"/>
+          </a:ln>
+        </p:spPr>
+        <p:style>
+          <a:lnRef idx="1">
+            <a:schemeClr val="accent1"/>
+          </a:lnRef>
+          <a:fillRef idx="0">
+            <a:schemeClr val="accent1"/>
+          </a:fillRef>
+          <a:effectRef idx="0">
+            <a:schemeClr val="accent1"/>
+          </a:effectRef>
+          <a:fontRef idx="minor">
+            <a:schemeClr val="tx1"/>
+          </a:fontRef>
+        </p:style>
+      </p:cxnSp>
+      <p:cxnSp>
+        <p:nvCxnSpPr>
+          <p:cNvPr id="23" name="직선 화살표 연결선 22"/>
+          <p:cNvCxnSpPr>
+            <a:endCxn id="17" idx="0"/>
+          </p:cNvCxnSpPr>
+          <p:nvPr/>
+        </p:nvCxnSpPr>
+        <p:spPr>
+          <a:xfrm>
+            <a:off x="1511660" y="1491630"/>
+            <a:ext cx="0" cy="699176"/>
+          </a:xfrm>
+          <a:prstGeom prst="straightConnector1">
+            <a:avLst/>
+          </a:prstGeom>
+          <a:ln w="28575">
+            <a:solidFill>
+              <a:schemeClr val="tx1"/>
+            </a:solidFill>
+            <a:tailEnd type="arrow"/>
+          </a:ln>
+        </p:spPr>
+        <p:style>
+          <a:lnRef idx="1">
+            <a:schemeClr val="accent1"/>
+          </a:lnRef>
+          <a:fillRef idx="0">
+            <a:schemeClr val="accent1"/>
+          </a:fillRef>
+          <a:effectRef idx="0">
+            <a:schemeClr val="accent1"/>
+          </a:effectRef>
+          <a:fontRef idx="minor">
+            <a:schemeClr val="tx1"/>
+          </a:fontRef>
+        </p:style>
+      </p:cxnSp>
+      <p:sp>
+        <p:nvSpPr>
+          <p:cNvPr id="28" name="모서리가 둥근 직사각형 27"/>
+          <p:cNvSpPr/>
+          <p:nvPr/>
+        </p:nvSpPr>
+        <p:spPr>
+          <a:xfrm>
+            <a:off x="1259632" y="1615273"/>
+            <a:ext cx="2088232" cy="380413"/>
+          </a:xfrm>
+          <a:prstGeom prst="roundRect">
+            <a:avLst>
+              <a:gd name="adj" fmla="val 17318"/>
+            </a:avLst>
+          </a:prstGeom>
+          <a:noFill/>
+          <a:ln>
+            <a:noFill/>
+          </a:ln>
+        </p:spPr>
+        <p:style>
+          <a:lnRef idx="2">
+            <a:schemeClr val="dk1"/>
+          </a:lnRef>
+          <a:fillRef idx="1">
+            <a:schemeClr val="lt1"/>
+          </a:fillRef>
+          <a:effectRef idx="0">
+            <a:schemeClr val="dk1"/>
+          </a:effectRef>
+          <a:fontRef idx="minor">
+            <a:schemeClr val="dk1"/>
+          </a:fontRef>
+        </p:style>
+        <p:txBody>
+          <a:bodyPr rtlCol="0" anchor="ctr"/>
+          <a:lstStyle/>
+          <a:p>
+            <a:pPr algn="ctr"/>
+            <a:r>
+              <a:rPr lang="en-US" altLang="ko-KR" b="1" dirty="0" smtClean="0">
+                <a:solidFill>
+                  <a:schemeClr val="tx1"/>
+                </a:solidFill>
+              </a:rPr>
+              <a:t>System Call</a:t>
+            </a:r>
+            <a:endParaRPr lang="ko-KR" altLang="en-US" b="1" dirty="0">
+              <a:solidFill>
+                <a:schemeClr val="tx1"/>
+              </a:solidFill>
+            </a:endParaRPr>
+          </a:p>
+        </p:txBody>
+      </p:sp>
+      <p:sp>
+        <p:nvSpPr>
+          <p:cNvPr id="30" name="모서리가 둥근 직사각형 29"/>
+          <p:cNvSpPr/>
+          <p:nvPr/>
+        </p:nvSpPr>
+        <p:spPr>
+          <a:xfrm>
+            <a:off x="5908402" y="3364119"/>
+            <a:ext cx="2088232" cy="380413"/>
+          </a:xfrm>
+          <a:prstGeom prst="roundRect">
+            <a:avLst>
+              <a:gd name="adj" fmla="val 17318"/>
+            </a:avLst>
+          </a:prstGeom>
+          <a:noFill/>
+          <a:ln>
+            <a:noFill/>
+          </a:ln>
+        </p:spPr>
+        <p:style>
+          <a:lnRef idx="2">
+            <a:schemeClr val="dk1"/>
+          </a:lnRef>
+          <a:fillRef idx="1">
+            <a:schemeClr val="lt1"/>
+          </a:fillRef>
+          <a:effectRef idx="0">
+            <a:schemeClr val="dk1"/>
+          </a:effectRef>
+          <a:fontRef idx="minor">
+            <a:schemeClr val="dk1"/>
+          </a:fontRef>
+        </p:style>
+        <p:txBody>
+          <a:bodyPr rtlCol="0" anchor="ctr"/>
+          <a:lstStyle/>
+          <a:p>
+            <a:pPr algn="ctr"/>
+            <a:r>
+              <a:rPr lang="en-US" altLang="ko-KR" b="1" smtClean="0">
+                <a:solidFill>
+                  <a:schemeClr val="tx1"/>
+                </a:solidFill>
+              </a:rPr>
+              <a:t>DAC</a:t>
+            </a:r>
+            <a:endParaRPr lang="ko-KR" altLang="en-US" b="1" dirty="0">
+              <a:solidFill>
+                <a:schemeClr val="tx1"/>
+              </a:solidFill>
+            </a:endParaRPr>
+          </a:p>
+        </p:txBody>
+      </p:sp>
+      <p:sp>
+        <p:nvSpPr>
+          <p:cNvPr id="31" name="모서리가 둥근 직사각형 30"/>
+          <p:cNvSpPr/>
+          <p:nvPr/>
+        </p:nvSpPr>
+        <p:spPr>
+          <a:xfrm>
+            <a:off x="7348562" y="3363837"/>
+            <a:ext cx="2088232" cy="380413"/>
+          </a:xfrm>
+          <a:prstGeom prst="roundRect">
+            <a:avLst>
+              <a:gd name="adj" fmla="val 17318"/>
+            </a:avLst>
+          </a:prstGeom>
+          <a:noFill/>
+          <a:ln>
+            <a:noFill/>
+          </a:ln>
+        </p:spPr>
+        <p:style>
+          <a:lnRef idx="2">
+            <a:schemeClr val="dk1"/>
+          </a:lnRef>
+          <a:fillRef idx="1">
+            <a:schemeClr val="lt1"/>
+          </a:fillRef>
+          <a:effectRef idx="0">
+            <a:schemeClr val="dk1"/>
+          </a:effectRef>
+          <a:fontRef idx="minor">
+            <a:schemeClr val="dk1"/>
+          </a:fontRef>
+        </p:style>
+        <p:txBody>
+          <a:bodyPr rtlCol="0" anchor="ctr"/>
+          <a:lstStyle/>
+          <a:p>
+            <a:pPr algn="ctr"/>
+            <a:r>
+              <a:rPr lang="en-US" altLang="ko-KR" b="1" dirty="0" err="1" smtClean="0">
+                <a:solidFill>
+                  <a:schemeClr val="tx1"/>
+                </a:solidFill>
+              </a:rPr>
+              <a:t>LSM</a:t>
+            </a:r>
+            <a:endParaRPr lang="ko-KR" altLang="en-US" b="1" dirty="0">
+              <a:solidFill>
+                <a:schemeClr val="tx1"/>
+              </a:solidFill>
+            </a:endParaRPr>
+          </a:p>
+        </p:txBody>
+      </p:sp>
+      <p:cxnSp>
+        <p:nvCxnSpPr>
+          <p:cNvPr id="32" name="직선 화살표 연결선 31"/>
+          <p:cNvCxnSpPr>
+            <a:endCxn id="30" idx="0"/>
+          </p:cNvCxnSpPr>
+          <p:nvPr/>
+        </p:nvCxnSpPr>
+        <p:spPr>
+          <a:xfrm>
+            <a:off x="6952518" y="2859782"/>
+            <a:ext cx="0" cy="504337"/>
+          </a:xfrm>
+          <a:prstGeom prst="straightConnector1">
+            <a:avLst/>
+          </a:prstGeom>
+          <a:ln w="28575">
+            <a:solidFill>
+              <a:schemeClr val="tx1"/>
+            </a:solidFill>
+            <a:tailEnd type="arrow"/>
+          </a:ln>
+        </p:spPr>
+        <p:style>
+          <a:lnRef idx="1">
+            <a:schemeClr val="accent1"/>
+          </a:lnRef>
+          <a:fillRef idx="0">
+            <a:schemeClr val="accent1"/>
+          </a:fillRef>
+          <a:effectRef idx="0">
+            <a:schemeClr val="accent1"/>
+          </a:effectRef>
+          <a:fontRef idx="minor">
+            <a:schemeClr val="tx1"/>
+          </a:fontRef>
+        </p:style>
+      </p:cxnSp>
+      <p:cxnSp>
+        <p:nvCxnSpPr>
+          <p:cNvPr id="37" name="직선 화살표 연결선 36"/>
+          <p:cNvCxnSpPr>
+            <a:endCxn id="31" idx="0"/>
+          </p:cNvCxnSpPr>
+          <p:nvPr/>
+        </p:nvCxnSpPr>
+        <p:spPr>
+          <a:xfrm>
+            <a:off x="8392678" y="2859782"/>
+            <a:ext cx="0" cy="504055"/>
+          </a:xfrm>
+          <a:prstGeom prst="straightConnector1">
+            <a:avLst/>
+          </a:prstGeom>
+          <a:ln w="28575">
+            <a:solidFill>
+              <a:schemeClr val="tx1"/>
+            </a:solidFill>
+            <a:tailEnd type="arrow"/>
+          </a:ln>
+        </p:spPr>
+        <p:style>
+          <a:lnRef idx="1">
+            <a:schemeClr val="accent1"/>
+          </a:lnRef>
+          <a:fillRef idx="0">
+            <a:schemeClr val="accent1"/>
+          </a:fillRef>
+          <a:effectRef idx="0">
+            <a:schemeClr val="accent1"/>
+          </a:effectRef>
+          <a:fontRef idx="minor">
+            <a:schemeClr val="tx1"/>
+          </a:fontRef>
+        </p:style>
+      </p:cxnSp>
+    </p:spTree>
+    <p:extLst>
+      <p:ext uri="{BB962C8B-B14F-4D97-AF65-F5344CB8AC3E}">
+        <p14:creationId xmlns:p14="http://schemas.microsoft.com/office/powerpoint/2010/main" val="3627583906"/>
+      </p:ext>
+    </p:extLst>
+  </p:cSld>
+  <p:clrMapOvr>
+    <a:masterClrMapping/>
+  </p:clrMapOvr>
+  <p:timing>
+    <p:tnLst>
+      <p:par>
+        <p:cTn id="1" dur="indefinite" restart="never" nodeType="tmRoot"/>
+      </p:par>
+    </p:tnLst>
+  </p:timing>
+</p:sld>
+</file>
+
+<file path=ppt/slides/slide2.xml><?xml version="1.0" encoding="utf-8"?>
+<p:sld xmlns:a="http://schemas.openxmlformats.org/drawingml/2006/main" xmlns:r="http://schemas.openxmlformats.org/officeDocument/2006/relationships" xmlns:p="http://schemas.openxmlformats.org/presentationml/2006/main">
+  <p:cSld>
+    <p:spTree>
+      <p:nvGrpSpPr>
+        <p:cNvPr id="1" name=""/>
+        <p:cNvGrpSpPr/>
+        <p:nvPr/>
+      </p:nvGrpSpPr>
+      <p:grpSpPr>
+        <a:xfrm>
+          <a:off x="0" y="0"/>
+          <a:ext cx="0" cy="0"/>
+          <a:chOff x="0" y="0"/>
+          <a:chExt cx="0" cy="0"/>
+        </a:xfrm>
+      </p:grpSpPr>
+      <p:sp>
+        <p:nvSpPr>
+          <p:cNvPr id="6" name="제목 1"/>
+          <p:cNvSpPr>
+            <a:spLocks noGrp="1"/>
+          </p:cNvSpPr>
+          <p:nvPr>
+            <p:ph type="title"/>
+          </p:nvPr>
+        </p:nvSpPr>
+        <p:spPr>
+          <a:xfrm>
+            <a:off x="457200" y="-20538"/>
+            <a:ext cx="8229600" cy="857250"/>
+          </a:xfrm>
+        </p:spPr>
+        <p:txBody>
+          <a:bodyPr>
+            <a:normAutofit/>
+          </a:bodyPr>
+          <a:lstStyle/>
+          <a:p>
+            <a:r>
               <a:rPr lang="en-US" altLang="ko-KR" dirty="0" err="1" smtClean="0"/>
               <a:t>LSM</a:t>
             </a:r>
@@ -10846,7 +11802,7 @@
 </p:sld>
 </file>
 
-<file path=ppt/slides/slide2.xml><?xml version="1.0" encoding="utf-8"?>
+<file path=ppt/slides/slide3.xml><?xml version="1.0" encoding="utf-8"?>
 <p:sld xmlns:a="http://schemas.openxmlformats.org/drawingml/2006/main" xmlns:r="http://schemas.openxmlformats.org/officeDocument/2006/relationships" xmlns:p="http://schemas.openxmlformats.org/presentationml/2006/main">
   <p:cSld>
     <p:spTree>
@@ -11030,11 +11986,7 @@
             </a:r>
             <a:r>
               <a:rPr lang="en-US" altLang="ko-KR" sz="1600" dirty="0" smtClean="0"/>
-              <a:t> </a:t>
-            </a:r>
-            <a:r>
-              <a:rPr lang="en-US" altLang="ko-KR" sz="1600" dirty="0" smtClean="0"/>
-              <a:t>Module</a:t>
+              <a:t> Module</a:t>
             </a:r>
             <a:endParaRPr lang="ko-KR" altLang="en-US" sz="1600" dirty="0"/>
           </a:p>
